--- a/stitchingTutorialsTogether.pptx
+++ b/stitchingTutorialsTogether.pptx
@@ -5,10 +5,27 @@
     <p:sldMasterId id="2147483648" r:id="rId1"/>
   </p:sldMasterIdLst>
   <p:notesMasterIdLst>
-    <p:notesMasterId r:id="rId3"/>
+    <p:notesMasterId r:id="rId20"/>
   </p:notesMasterIdLst>
   <p:sldIdLst>
-    <p:sldId id="256" r:id="rId2"/>
+    <p:sldId id="258" r:id="rId2"/>
+    <p:sldId id="257" r:id="rId3"/>
+    <p:sldId id="259" r:id="rId4"/>
+    <p:sldId id="264" r:id="rId5"/>
+    <p:sldId id="260" r:id="rId6"/>
+    <p:sldId id="265" r:id="rId7"/>
+    <p:sldId id="270" r:id="rId8"/>
+    <p:sldId id="263" r:id="rId9"/>
+    <p:sldId id="261" r:id="rId10"/>
+    <p:sldId id="268" r:id="rId11"/>
+    <p:sldId id="271" r:id="rId12"/>
+    <p:sldId id="267" r:id="rId13"/>
+    <p:sldId id="266" r:id="rId14"/>
+    <p:sldId id="269" r:id="rId15"/>
+    <p:sldId id="273" r:id="rId16"/>
+    <p:sldId id="274" r:id="rId17"/>
+    <p:sldId id="262" r:id="rId18"/>
+    <p:sldId id="272" r:id="rId19"/>
   </p:sldIdLst>
   <p:sldSz cx="9144000" cy="6858000" type="screen4x3"/>
   <p:notesSz cx="6858000" cy="9144000"/>
@@ -192,7 +209,8 @@
           <a:p>
             <a:fld id="{13B7B1BA-AF2D-4A3C-87B6-1D07C61F19B4}" type="datetimeFigureOut">
               <a:rPr lang="en-US" smtClean="0"/>
-              <a:t>8/15/2012</a:t>
+              <a:pPr/>
+              <a:t>8/20/2012</a:t>
             </a:fld>
             <a:endParaRPr lang="en-US"/>
           </a:p>
@@ -351,6 +369,7 @@
           <a:p>
             <a:fld id="{20F749FA-6AB6-40E0-B6DE-107ACAC3F270}" type="slidenum">
               <a:rPr lang="en-US" smtClean="0"/>
+              <a:pPr/>
               <a:t>‹#›</a:t>
             </a:fld>
             <a:endParaRPr lang="en-US"/>
@@ -360,7 +379,7 @@
     </p:spTree>
     <p:extLst>
       <p:ext uri="{BB962C8B-B14F-4D97-AF65-F5344CB8AC3E}">
-        <p14:creationId xmlns:p14="http://schemas.microsoft.com/office/powerpoint/2010/main" val="2235287724"/>
+        <p14:creationId xmlns:p14="http://schemas.microsoft.com/office/powerpoint/2010/main" xmlns="" val="2235287724"/>
       </p:ext>
     </p:extLst>
   </p:cSld>
@@ -525,6 +544,7 @@
           <a:p>
             <a:fld id="{20F749FA-6AB6-40E0-B6DE-107ACAC3F270}" type="slidenum">
               <a:rPr lang="en-US" smtClean="0"/>
+              <a:pPr/>
               <a:t>1</a:t>
             </a:fld>
             <a:endParaRPr lang="en-US"/>
@@ -534,7 +554,517 @@
     </p:spTree>
     <p:extLst>
       <p:ext uri="{BB962C8B-B14F-4D97-AF65-F5344CB8AC3E}">
-        <p14:creationId xmlns:p14="http://schemas.microsoft.com/office/powerpoint/2010/main" val="2191625695"/>
+        <p14:creationId xmlns:p14="http://schemas.microsoft.com/office/powerpoint/2010/main" xmlns="" val="2191625695"/>
+      </p:ext>
+    </p:extLst>
+  </p:cSld>
+  <p:clrMapOvr>
+    <a:masterClrMapping/>
+  </p:clrMapOvr>
+</p:notes>
+</file>
+
+<file path=ppt/notesSlides/notesSlide2.xml><?xml version="1.0" encoding="utf-8"?>
+<p:notes xmlns:a="http://schemas.openxmlformats.org/drawingml/2006/main" xmlns:r="http://schemas.openxmlformats.org/officeDocument/2006/relationships" xmlns:p="http://schemas.openxmlformats.org/presentationml/2006/main">
+  <p:cSld>
+    <p:spTree>
+      <p:nvGrpSpPr>
+        <p:cNvPr id="1" name=""/>
+        <p:cNvGrpSpPr/>
+        <p:nvPr/>
+      </p:nvGrpSpPr>
+      <p:grpSpPr>
+        <a:xfrm>
+          <a:off x="0" y="0"/>
+          <a:ext cx="0" cy="0"/>
+          <a:chOff x="0" y="0"/>
+          <a:chExt cx="0" cy="0"/>
+        </a:xfrm>
+      </p:grpSpPr>
+      <p:sp>
+        <p:nvSpPr>
+          <p:cNvPr id="2" name="Slide Image Placeholder 1"/>
+          <p:cNvSpPr>
+            <a:spLocks noGrp="1" noRot="1" noChangeAspect="1"/>
+          </p:cNvSpPr>
+          <p:nvPr>
+            <p:ph type="sldImg"/>
+          </p:nvPr>
+        </p:nvSpPr>
+        <p:spPr/>
+      </p:sp>
+      <p:sp>
+        <p:nvSpPr>
+          <p:cNvPr id="3" name="Notes Placeholder 2"/>
+          <p:cNvSpPr>
+            <a:spLocks noGrp="1"/>
+          </p:cNvSpPr>
+          <p:nvPr>
+            <p:ph type="body" idx="1"/>
+          </p:nvPr>
+        </p:nvSpPr>
+        <p:spPr/>
+        <p:txBody>
+          <a:bodyPr/>
+          <a:lstStyle/>
+          <a:p>
+            <a:endParaRPr lang="en-US"/>
+          </a:p>
+        </p:txBody>
+      </p:sp>
+      <p:sp>
+        <p:nvSpPr>
+          <p:cNvPr id="4" name="Slide Number Placeholder 3"/>
+          <p:cNvSpPr>
+            <a:spLocks noGrp="1"/>
+          </p:cNvSpPr>
+          <p:nvPr>
+            <p:ph type="sldNum" sz="quarter" idx="10"/>
+          </p:nvPr>
+        </p:nvSpPr>
+        <p:spPr/>
+        <p:txBody>
+          <a:bodyPr/>
+          <a:lstStyle/>
+          <a:p>
+            <a:fld id="{20F749FA-6AB6-40E0-B6DE-107ACAC3F270}" type="slidenum">
+              <a:rPr lang="en-US" smtClean="0"/>
+              <a:pPr/>
+              <a:t>2</a:t>
+            </a:fld>
+            <a:endParaRPr lang="en-US"/>
+          </a:p>
+        </p:txBody>
+      </p:sp>
+    </p:spTree>
+    <p:extLst>
+      <p:ext uri="{BB962C8B-B14F-4D97-AF65-F5344CB8AC3E}">
+        <p14:creationId xmlns:p14="http://schemas.microsoft.com/office/powerpoint/2010/main" xmlns="" val="1768515067"/>
+      </p:ext>
+    </p:extLst>
+  </p:cSld>
+  <p:clrMapOvr>
+    <a:masterClrMapping/>
+  </p:clrMapOvr>
+</p:notes>
+</file>
+
+<file path=ppt/notesSlides/notesSlide3.xml><?xml version="1.0" encoding="utf-8"?>
+<p:notes xmlns:a="http://schemas.openxmlformats.org/drawingml/2006/main" xmlns:r="http://schemas.openxmlformats.org/officeDocument/2006/relationships" xmlns:p="http://schemas.openxmlformats.org/presentationml/2006/main">
+  <p:cSld>
+    <p:spTree>
+      <p:nvGrpSpPr>
+        <p:cNvPr id="1" name=""/>
+        <p:cNvGrpSpPr/>
+        <p:nvPr/>
+      </p:nvGrpSpPr>
+      <p:grpSpPr>
+        <a:xfrm>
+          <a:off x="0" y="0"/>
+          <a:ext cx="0" cy="0"/>
+          <a:chOff x="0" y="0"/>
+          <a:chExt cx="0" cy="0"/>
+        </a:xfrm>
+      </p:grpSpPr>
+      <p:sp>
+        <p:nvSpPr>
+          <p:cNvPr id="2" name="Slide Image Placeholder 1"/>
+          <p:cNvSpPr>
+            <a:spLocks noGrp="1" noRot="1" noChangeAspect="1"/>
+          </p:cNvSpPr>
+          <p:nvPr>
+            <p:ph type="sldImg"/>
+          </p:nvPr>
+        </p:nvSpPr>
+        <p:spPr/>
+      </p:sp>
+      <p:sp>
+        <p:nvSpPr>
+          <p:cNvPr id="3" name="Notes Placeholder 2"/>
+          <p:cNvSpPr>
+            <a:spLocks noGrp="1"/>
+          </p:cNvSpPr>
+          <p:nvPr>
+            <p:ph type="body" idx="1"/>
+          </p:nvPr>
+        </p:nvSpPr>
+        <p:spPr/>
+        <p:txBody>
+          <a:bodyPr/>
+          <a:lstStyle/>
+          <a:p>
+            <a:endParaRPr lang="en-US"/>
+          </a:p>
+        </p:txBody>
+      </p:sp>
+      <p:sp>
+        <p:nvSpPr>
+          <p:cNvPr id="4" name="Slide Number Placeholder 3"/>
+          <p:cNvSpPr>
+            <a:spLocks noGrp="1"/>
+          </p:cNvSpPr>
+          <p:nvPr>
+            <p:ph type="sldNum" sz="quarter" idx="10"/>
+          </p:nvPr>
+        </p:nvSpPr>
+        <p:spPr/>
+        <p:txBody>
+          <a:bodyPr/>
+          <a:lstStyle/>
+          <a:p>
+            <a:fld id="{20F749FA-6AB6-40E0-B6DE-107ACAC3F270}" type="slidenum">
+              <a:rPr lang="en-US" smtClean="0"/>
+              <a:pPr/>
+              <a:t>3</a:t>
+            </a:fld>
+            <a:endParaRPr lang="en-US"/>
+          </a:p>
+        </p:txBody>
+      </p:sp>
+    </p:spTree>
+    <p:extLst>
+      <p:ext uri="{BB962C8B-B14F-4D97-AF65-F5344CB8AC3E}">
+        <p14:creationId xmlns:p14="http://schemas.microsoft.com/office/powerpoint/2010/main" xmlns="" val="1946477530"/>
+      </p:ext>
+    </p:extLst>
+  </p:cSld>
+  <p:clrMapOvr>
+    <a:masterClrMapping/>
+  </p:clrMapOvr>
+</p:notes>
+</file>
+
+<file path=ppt/notesSlides/notesSlide4.xml><?xml version="1.0" encoding="utf-8"?>
+<p:notes xmlns:a="http://schemas.openxmlformats.org/drawingml/2006/main" xmlns:r="http://schemas.openxmlformats.org/officeDocument/2006/relationships" xmlns:p="http://schemas.openxmlformats.org/presentationml/2006/main">
+  <p:cSld>
+    <p:spTree>
+      <p:nvGrpSpPr>
+        <p:cNvPr id="1" name=""/>
+        <p:cNvGrpSpPr/>
+        <p:nvPr/>
+      </p:nvGrpSpPr>
+      <p:grpSpPr>
+        <a:xfrm>
+          <a:off x="0" y="0"/>
+          <a:ext cx="0" cy="0"/>
+          <a:chOff x="0" y="0"/>
+          <a:chExt cx="0" cy="0"/>
+        </a:xfrm>
+      </p:grpSpPr>
+      <p:sp>
+        <p:nvSpPr>
+          <p:cNvPr id="2" name="Slide Image Placeholder 1"/>
+          <p:cNvSpPr>
+            <a:spLocks noGrp="1" noRot="1" noChangeAspect="1"/>
+          </p:cNvSpPr>
+          <p:nvPr>
+            <p:ph type="sldImg"/>
+          </p:nvPr>
+        </p:nvSpPr>
+        <p:spPr/>
+      </p:sp>
+      <p:sp>
+        <p:nvSpPr>
+          <p:cNvPr id="3" name="Notes Placeholder 2"/>
+          <p:cNvSpPr>
+            <a:spLocks noGrp="1"/>
+          </p:cNvSpPr>
+          <p:nvPr>
+            <p:ph type="body" idx="1"/>
+          </p:nvPr>
+        </p:nvSpPr>
+        <p:spPr/>
+        <p:txBody>
+          <a:bodyPr/>
+          <a:lstStyle/>
+          <a:p>
+            <a:endParaRPr lang="en-US"/>
+          </a:p>
+        </p:txBody>
+      </p:sp>
+      <p:sp>
+        <p:nvSpPr>
+          <p:cNvPr id="4" name="Slide Number Placeholder 3"/>
+          <p:cNvSpPr>
+            <a:spLocks noGrp="1"/>
+          </p:cNvSpPr>
+          <p:nvPr>
+            <p:ph type="sldNum" sz="quarter" idx="10"/>
+          </p:nvPr>
+        </p:nvSpPr>
+        <p:spPr/>
+        <p:txBody>
+          <a:bodyPr/>
+          <a:lstStyle/>
+          <a:p>
+            <a:fld id="{20F749FA-6AB6-40E0-B6DE-107ACAC3F270}" type="slidenum">
+              <a:rPr lang="en-US" smtClean="0"/>
+              <a:pPr/>
+              <a:t>5</a:t>
+            </a:fld>
+            <a:endParaRPr lang="en-US"/>
+          </a:p>
+        </p:txBody>
+      </p:sp>
+    </p:spTree>
+    <p:extLst>
+      <p:ext uri="{BB962C8B-B14F-4D97-AF65-F5344CB8AC3E}">
+        <p14:creationId xmlns:p14="http://schemas.microsoft.com/office/powerpoint/2010/main" xmlns="" val="178834906"/>
+      </p:ext>
+    </p:extLst>
+  </p:cSld>
+  <p:clrMapOvr>
+    <a:masterClrMapping/>
+  </p:clrMapOvr>
+</p:notes>
+</file>
+
+<file path=ppt/notesSlides/notesSlide5.xml><?xml version="1.0" encoding="utf-8"?>
+<p:notes xmlns:a="http://schemas.openxmlformats.org/drawingml/2006/main" xmlns:r="http://schemas.openxmlformats.org/officeDocument/2006/relationships" xmlns:p="http://schemas.openxmlformats.org/presentationml/2006/main">
+  <p:cSld>
+    <p:spTree>
+      <p:nvGrpSpPr>
+        <p:cNvPr id="1" name=""/>
+        <p:cNvGrpSpPr/>
+        <p:nvPr/>
+      </p:nvGrpSpPr>
+      <p:grpSpPr>
+        <a:xfrm>
+          <a:off x="0" y="0"/>
+          <a:ext cx="0" cy="0"/>
+          <a:chOff x="0" y="0"/>
+          <a:chExt cx="0" cy="0"/>
+        </a:xfrm>
+      </p:grpSpPr>
+      <p:sp>
+        <p:nvSpPr>
+          <p:cNvPr id="2" name="Slide Image Placeholder 1"/>
+          <p:cNvSpPr>
+            <a:spLocks noGrp="1" noRot="1" noChangeAspect="1"/>
+          </p:cNvSpPr>
+          <p:nvPr>
+            <p:ph type="sldImg"/>
+          </p:nvPr>
+        </p:nvSpPr>
+        <p:spPr/>
+      </p:sp>
+      <p:sp>
+        <p:nvSpPr>
+          <p:cNvPr id="3" name="Notes Placeholder 2"/>
+          <p:cNvSpPr>
+            <a:spLocks noGrp="1"/>
+          </p:cNvSpPr>
+          <p:nvPr>
+            <p:ph type="body" idx="1"/>
+          </p:nvPr>
+        </p:nvSpPr>
+        <p:spPr/>
+        <p:txBody>
+          <a:bodyPr/>
+          <a:lstStyle/>
+          <a:p>
+            <a:endParaRPr lang="en-US"/>
+          </a:p>
+        </p:txBody>
+      </p:sp>
+      <p:sp>
+        <p:nvSpPr>
+          <p:cNvPr id="4" name="Slide Number Placeholder 3"/>
+          <p:cNvSpPr>
+            <a:spLocks noGrp="1"/>
+          </p:cNvSpPr>
+          <p:nvPr>
+            <p:ph type="sldNum" sz="quarter" idx="10"/>
+          </p:nvPr>
+        </p:nvSpPr>
+        <p:spPr/>
+        <p:txBody>
+          <a:bodyPr/>
+          <a:lstStyle/>
+          <a:p>
+            <a:fld id="{20F749FA-6AB6-40E0-B6DE-107ACAC3F270}" type="slidenum">
+              <a:rPr lang="en-US" smtClean="0"/>
+              <a:pPr/>
+              <a:t>8</a:t>
+            </a:fld>
+            <a:endParaRPr lang="en-US"/>
+          </a:p>
+        </p:txBody>
+      </p:sp>
+    </p:spTree>
+    <p:extLst>
+      <p:ext uri="{BB962C8B-B14F-4D97-AF65-F5344CB8AC3E}">
+        <p14:creationId xmlns:p14="http://schemas.microsoft.com/office/powerpoint/2010/main" xmlns="" val="2123630961"/>
+      </p:ext>
+    </p:extLst>
+  </p:cSld>
+  <p:clrMapOvr>
+    <a:masterClrMapping/>
+  </p:clrMapOvr>
+</p:notes>
+</file>
+
+<file path=ppt/notesSlides/notesSlide6.xml><?xml version="1.0" encoding="utf-8"?>
+<p:notes xmlns:a="http://schemas.openxmlformats.org/drawingml/2006/main" xmlns:r="http://schemas.openxmlformats.org/officeDocument/2006/relationships" xmlns:p="http://schemas.openxmlformats.org/presentationml/2006/main">
+  <p:cSld>
+    <p:spTree>
+      <p:nvGrpSpPr>
+        <p:cNvPr id="1" name=""/>
+        <p:cNvGrpSpPr/>
+        <p:nvPr/>
+      </p:nvGrpSpPr>
+      <p:grpSpPr>
+        <a:xfrm>
+          <a:off x="0" y="0"/>
+          <a:ext cx="0" cy="0"/>
+          <a:chOff x="0" y="0"/>
+          <a:chExt cx="0" cy="0"/>
+        </a:xfrm>
+      </p:grpSpPr>
+      <p:sp>
+        <p:nvSpPr>
+          <p:cNvPr id="2" name="Slide Image Placeholder 1"/>
+          <p:cNvSpPr>
+            <a:spLocks noGrp="1" noRot="1" noChangeAspect="1"/>
+          </p:cNvSpPr>
+          <p:nvPr>
+            <p:ph type="sldImg"/>
+          </p:nvPr>
+        </p:nvSpPr>
+        <p:spPr/>
+      </p:sp>
+      <p:sp>
+        <p:nvSpPr>
+          <p:cNvPr id="3" name="Notes Placeholder 2"/>
+          <p:cNvSpPr>
+            <a:spLocks noGrp="1"/>
+          </p:cNvSpPr>
+          <p:nvPr>
+            <p:ph type="body" idx="1"/>
+          </p:nvPr>
+        </p:nvSpPr>
+        <p:spPr/>
+        <p:txBody>
+          <a:bodyPr/>
+          <a:lstStyle/>
+          <a:p>
+            <a:endParaRPr lang="en-US"/>
+          </a:p>
+        </p:txBody>
+      </p:sp>
+      <p:sp>
+        <p:nvSpPr>
+          <p:cNvPr id="4" name="Slide Number Placeholder 3"/>
+          <p:cNvSpPr>
+            <a:spLocks noGrp="1"/>
+          </p:cNvSpPr>
+          <p:nvPr>
+            <p:ph type="sldNum" sz="quarter" idx="10"/>
+          </p:nvPr>
+        </p:nvSpPr>
+        <p:spPr/>
+        <p:txBody>
+          <a:bodyPr/>
+          <a:lstStyle/>
+          <a:p>
+            <a:fld id="{20F749FA-6AB6-40E0-B6DE-107ACAC3F270}" type="slidenum">
+              <a:rPr lang="en-US" smtClean="0"/>
+              <a:pPr/>
+              <a:t>9</a:t>
+            </a:fld>
+            <a:endParaRPr lang="en-US"/>
+          </a:p>
+        </p:txBody>
+      </p:sp>
+    </p:spTree>
+    <p:extLst>
+      <p:ext uri="{BB962C8B-B14F-4D97-AF65-F5344CB8AC3E}">
+        <p14:creationId xmlns:p14="http://schemas.microsoft.com/office/powerpoint/2010/main" xmlns="" val="1337376905"/>
+      </p:ext>
+    </p:extLst>
+  </p:cSld>
+  <p:clrMapOvr>
+    <a:masterClrMapping/>
+  </p:clrMapOvr>
+</p:notes>
+</file>
+
+<file path=ppt/notesSlides/notesSlide7.xml><?xml version="1.0" encoding="utf-8"?>
+<p:notes xmlns:a="http://schemas.openxmlformats.org/drawingml/2006/main" xmlns:r="http://schemas.openxmlformats.org/officeDocument/2006/relationships" xmlns:p="http://schemas.openxmlformats.org/presentationml/2006/main">
+  <p:cSld>
+    <p:spTree>
+      <p:nvGrpSpPr>
+        <p:cNvPr id="1" name=""/>
+        <p:cNvGrpSpPr/>
+        <p:nvPr/>
+      </p:nvGrpSpPr>
+      <p:grpSpPr>
+        <a:xfrm>
+          <a:off x="0" y="0"/>
+          <a:ext cx="0" cy="0"/>
+          <a:chOff x="0" y="0"/>
+          <a:chExt cx="0" cy="0"/>
+        </a:xfrm>
+      </p:grpSpPr>
+      <p:sp>
+        <p:nvSpPr>
+          <p:cNvPr id="2" name="Slide Image Placeholder 1"/>
+          <p:cNvSpPr>
+            <a:spLocks noGrp="1" noRot="1" noChangeAspect="1"/>
+          </p:cNvSpPr>
+          <p:nvPr>
+            <p:ph type="sldImg"/>
+          </p:nvPr>
+        </p:nvSpPr>
+        <p:spPr/>
+      </p:sp>
+      <p:sp>
+        <p:nvSpPr>
+          <p:cNvPr id="3" name="Notes Placeholder 2"/>
+          <p:cNvSpPr>
+            <a:spLocks noGrp="1"/>
+          </p:cNvSpPr>
+          <p:nvPr>
+            <p:ph type="body" idx="1"/>
+          </p:nvPr>
+        </p:nvSpPr>
+        <p:spPr/>
+        <p:txBody>
+          <a:bodyPr/>
+          <a:lstStyle/>
+          <a:p>
+            <a:endParaRPr lang="en-US"/>
+          </a:p>
+        </p:txBody>
+      </p:sp>
+      <p:sp>
+        <p:nvSpPr>
+          <p:cNvPr id="4" name="Slide Number Placeholder 3"/>
+          <p:cNvSpPr>
+            <a:spLocks noGrp="1"/>
+          </p:cNvSpPr>
+          <p:nvPr>
+            <p:ph type="sldNum" sz="quarter" idx="10"/>
+          </p:nvPr>
+        </p:nvSpPr>
+        <p:spPr/>
+        <p:txBody>
+          <a:bodyPr/>
+          <a:lstStyle/>
+          <a:p>
+            <a:fld id="{20F749FA-6AB6-40E0-B6DE-107ACAC3F270}" type="slidenum">
+              <a:rPr lang="en-US" smtClean="0"/>
+              <a:pPr/>
+              <a:t>17</a:t>
+            </a:fld>
+            <a:endParaRPr lang="en-US"/>
+          </a:p>
+        </p:txBody>
+      </p:sp>
+    </p:spTree>
+    <p:extLst>
+      <p:ext uri="{BB962C8B-B14F-4D97-AF65-F5344CB8AC3E}">
+        <p14:creationId xmlns:p14="http://schemas.microsoft.com/office/powerpoint/2010/main" xmlns="" val="2697145958"/>
       </p:ext>
     </p:extLst>
   </p:cSld>
@@ -725,7 +1255,8 @@
           <a:p>
             <a:fld id="{6A98A6B1-712E-494A-9ABF-FEA317F9BFD2}" type="datetimeFigureOut">
               <a:rPr lang="en-US" smtClean="0"/>
-              <a:t>8/15/2012</a:t>
+              <a:pPr/>
+              <a:t>8/20/2012</a:t>
             </a:fld>
             <a:endParaRPr lang="en-US"/>
           </a:p>
@@ -767,6 +1298,7 @@
           <a:p>
             <a:fld id="{004456E5-DC3C-485E-B971-7976F2BABB57}" type="slidenum">
               <a:rPr lang="en-US" smtClean="0"/>
+              <a:pPr/>
               <a:t>‹#›</a:t>
             </a:fld>
             <a:endParaRPr lang="en-US"/>
@@ -776,7 +1308,7 @@
     </p:spTree>
     <p:extLst>
       <p:ext uri="{BB962C8B-B14F-4D97-AF65-F5344CB8AC3E}">
-        <p14:creationId xmlns:p14="http://schemas.microsoft.com/office/powerpoint/2010/main" val="440836321"/>
+        <p14:creationId xmlns:p14="http://schemas.microsoft.com/office/powerpoint/2010/main" xmlns="" val="440836321"/>
       </p:ext>
     </p:extLst>
   </p:cSld>
@@ -895,7 +1427,8 @@
           <a:p>
             <a:fld id="{6A98A6B1-712E-494A-9ABF-FEA317F9BFD2}" type="datetimeFigureOut">
               <a:rPr lang="en-US" smtClean="0"/>
-              <a:t>8/15/2012</a:t>
+              <a:pPr/>
+              <a:t>8/20/2012</a:t>
             </a:fld>
             <a:endParaRPr lang="en-US"/>
           </a:p>
@@ -937,6 +1470,7 @@
           <a:p>
             <a:fld id="{004456E5-DC3C-485E-B971-7976F2BABB57}" type="slidenum">
               <a:rPr lang="en-US" smtClean="0"/>
+              <a:pPr/>
               <a:t>‹#›</a:t>
             </a:fld>
             <a:endParaRPr lang="en-US"/>
@@ -946,7 +1480,7 @@
     </p:spTree>
     <p:extLst>
       <p:ext uri="{BB962C8B-B14F-4D97-AF65-F5344CB8AC3E}">
-        <p14:creationId xmlns:p14="http://schemas.microsoft.com/office/powerpoint/2010/main" val="3181037671"/>
+        <p14:creationId xmlns:p14="http://schemas.microsoft.com/office/powerpoint/2010/main" xmlns="" val="3181037671"/>
       </p:ext>
     </p:extLst>
   </p:cSld>
@@ -1075,7 +1609,8 @@
           <a:p>
             <a:fld id="{6A98A6B1-712E-494A-9ABF-FEA317F9BFD2}" type="datetimeFigureOut">
               <a:rPr lang="en-US" smtClean="0"/>
-              <a:t>8/15/2012</a:t>
+              <a:pPr/>
+              <a:t>8/20/2012</a:t>
             </a:fld>
             <a:endParaRPr lang="en-US"/>
           </a:p>
@@ -1117,6 +1652,7 @@
           <a:p>
             <a:fld id="{004456E5-DC3C-485E-B971-7976F2BABB57}" type="slidenum">
               <a:rPr lang="en-US" smtClean="0"/>
+              <a:pPr/>
               <a:t>‹#›</a:t>
             </a:fld>
             <a:endParaRPr lang="en-US"/>
@@ -1126,7 +1662,7 @@
     </p:spTree>
     <p:extLst>
       <p:ext uri="{BB962C8B-B14F-4D97-AF65-F5344CB8AC3E}">
-        <p14:creationId xmlns:p14="http://schemas.microsoft.com/office/powerpoint/2010/main" val="3466203972"/>
+        <p14:creationId xmlns:p14="http://schemas.microsoft.com/office/powerpoint/2010/main" xmlns="" val="3466203972"/>
       </p:ext>
     </p:extLst>
   </p:cSld>
@@ -1245,7 +1781,8 @@
           <a:p>
             <a:fld id="{6A98A6B1-712E-494A-9ABF-FEA317F9BFD2}" type="datetimeFigureOut">
               <a:rPr lang="en-US" smtClean="0"/>
-              <a:t>8/15/2012</a:t>
+              <a:pPr/>
+              <a:t>8/20/2012</a:t>
             </a:fld>
             <a:endParaRPr lang="en-US"/>
           </a:p>
@@ -1287,6 +1824,7 @@
           <a:p>
             <a:fld id="{004456E5-DC3C-485E-B971-7976F2BABB57}" type="slidenum">
               <a:rPr lang="en-US" smtClean="0"/>
+              <a:pPr/>
               <a:t>‹#›</a:t>
             </a:fld>
             <a:endParaRPr lang="en-US"/>
@@ -1296,7 +1834,7 @@
     </p:spTree>
     <p:extLst>
       <p:ext uri="{BB962C8B-B14F-4D97-AF65-F5344CB8AC3E}">
-        <p14:creationId xmlns:p14="http://schemas.microsoft.com/office/powerpoint/2010/main" val="947914626"/>
+        <p14:creationId xmlns:p14="http://schemas.microsoft.com/office/powerpoint/2010/main" xmlns="" val="947914626"/>
       </p:ext>
     </p:extLst>
   </p:cSld>
@@ -1491,7 +2029,8 @@
           <a:p>
             <a:fld id="{6A98A6B1-712E-494A-9ABF-FEA317F9BFD2}" type="datetimeFigureOut">
               <a:rPr lang="en-US" smtClean="0"/>
-              <a:t>8/15/2012</a:t>
+              <a:pPr/>
+              <a:t>8/20/2012</a:t>
             </a:fld>
             <a:endParaRPr lang="en-US"/>
           </a:p>
@@ -1533,6 +2072,7 @@
           <a:p>
             <a:fld id="{004456E5-DC3C-485E-B971-7976F2BABB57}" type="slidenum">
               <a:rPr lang="en-US" smtClean="0"/>
+              <a:pPr/>
               <a:t>‹#›</a:t>
             </a:fld>
             <a:endParaRPr lang="en-US"/>
@@ -1542,7 +2082,7 @@
     </p:spTree>
     <p:extLst>
       <p:ext uri="{BB962C8B-B14F-4D97-AF65-F5344CB8AC3E}">
-        <p14:creationId xmlns:p14="http://schemas.microsoft.com/office/powerpoint/2010/main" val="2316656104"/>
+        <p14:creationId xmlns:p14="http://schemas.microsoft.com/office/powerpoint/2010/main" xmlns="" val="2316656104"/>
       </p:ext>
     </p:extLst>
   </p:cSld>
@@ -1779,7 +2319,8 @@
           <a:p>
             <a:fld id="{6A98A6B1-712E-494A-9ABF-FEA317F9BFD2}" type="datetimeFigureOut">
               <a:rPr lang="en-US" smtClean="0"/>
-              <a:t>8/15/2012</a:t>
+              <a:pPr/>
+              <a:t>8/20/2012</a:t>
             </a:fld>
             <a:endParaRPr lang="en-US"/>
           </a:p>
@@ -1821,6 +2362,7 @@
           <a:p>
             <a:fld id="{004456E5-DC3C-485E-B971-7976F2BABB57}" type="slidenum">
               <a:rPr lang="en-US" smtClean="0"/>
+              <a:pPr/>
               <a:t>‹#›</a:t>
             </a:fld>
             <a:endParaRPr lang="en-US"/>
@@ -1830,7 +2372,7 @@
     </p:spTree>
     <p:extLst>
       <p:ext uri="{BB962C8B-B14F-4D97-AF65-F5344CB8AC3E}">
-        <p14:creationId xmlns:p14="http://schemas.microsoft.com/office/powerpoint/2010/main" val="2666931045"/>
+        <p14:creationId xmlns:p14="http://schemas.microsoft.com/office/powerpoint/2010/main" xmlns="" val="2666931045"/>
       </p:ext>
     </p:extLst>
   </p:cSld>
@@ -2201,7 +2743,8 @@
           <a:p>
             <a:fld id="{6A98A6B1-712E-494A-9ABF-FEA317F9BFD2}" type="datetimeFigureOut">
               <a:rPr lang="en-US" smtClean="0"/>
-              <a:t>8/15/2012</a:t>
+              <a:pPr/>
+              <a:t>8/20/2012</a:t>
             </a:fld>
             <a:endParaRPr lang="en-US"/>
           </a:p>
@@ -2243,6 +2786,7 @@
           <a:p>
             <a:fld id="{004456E5-DC3C-485E-B971-7976F2BABB57}" type="slidenum">
               <a:rPr lang="en-US" smtClean="0"/>
+              <a:pPr/>
               <a:t>‹#›</a:t>
             </a:fld>
             <a:endParaRPr lang="en-US"/>
@@ -2252,7 +2796,7 @@
     </p:spTree>
     <p:extLst>
       <p:ext uri="{BB962C8B-B14F-4D97-AF65-F5344CB8AC3E}">
-        <p14:creationId xmlns:p14="http://schemas.microsoft.com/office/powerpoint/2010/main" val="292598051"/>
+        <p14:creationId xmlns:p14="http://schemas.microsoft.com/office/powerpoint/2010/main" xmlns="" val="292598051"/>
       </p:ext>
     </p:extLst>
   </p:cSld>
@@ -2319,7 +2863,8 @@
           <a:p>
             <a:fld id="{6A98A6B1-712E-494A-9ABF-FEA317F9BFD2}" type="datetimeFigureOut">
               <a:rPr lang="en-US" smtClean="0"/>
-              <a:t>8/15/2012</a:t>
+              <a:pPr/>
+              <a:t>8/20/2012</a:t>
             </a:fld>
             <a:endParaRPr lang="en-US"/>
           </a:p>
@@ -2361,6 +2906,7 @@
           <a:p>
             <a:fld id="{004456E5-DC3C-485E-B971-7976F2BABB57}" type="slidenum">
               <a:rPr lang="en-US" smtClean="0"/>
+              <a:pPr/>
               <a:t>‹#›</a:t>
             </a:fld>
             <a:endParaRPr lang="en-US"/>
@@ -2370,7 +2916,7 @@
     </p:spTree>
     <p:extLst>
       <p:ext uri="{BB962C8B-B14F-4D97-AF65-F5344CB8AC3E}">
-        <p14:creationId xmlns:p14="http://schemas.microsoft.com/office/powerpoint/2010/main" val="1465374264"/>
+        <p14:creationId xmlns:p14="http://schemas.microsoft.com/office/powerpoint/2010/main" xmlns="" val="1465374264"/>
       </p:ext>
     </p:extLst>
   </p:cSld>
@@ -2414,7 +2960,8 @@
           <a:p>
             <a:fld id="{6A98A6B1-712E-494A-9ABF-FEA317F9BFD2}" type="datetimeFigureOut">
               <a:rPr lang="en-US" smtClean="0"/>
-              <a:t>8/15/2012</a:t>
+              <a:pPr/>
+              <a:t>8/20/2012</a:t>
             </a:fld>
             <a:endParaRPr lang="en-US"/>
           </a:p>
@@ -2456,6 +3003,7 @@
           <a:p>
             <a:fld id="{004456E5-DC3C-485E-B971-7976F2BABB57}" type="slidenum">
               <a:rPr lang="en-US" smtClean="0"/>
+              <a:pPr/>
               <a:t>‹#›</a:t>
             </a:fld>
             <a:endParaRPr lang="en-US"/>
@@ -2465,7 +3013,7 @@
     </p:spTree>
     <p:extLst>
       <p:ext uri="{BB962C8B-B14F-4D97-AF65-F5344CB8AC3E}">
-        <p14:creationId xmlns:p14="http://schemas.microsoft.com/office/powerpoint/2010/main" val="520244785"/>
+        <p14:creationId xmlns:p14="http://schemas.microsoft.com/office/powerpoint/2010/main" xmlns="" val="520244785"/>
       </p:ext>
     </p:extLst>
   </p:cSld>
@@ -2691,7 +3239,8 @@
           <a:p>
             <a:fld id="{6A98A6B1-712E-494A-9ABF-FEA317F9BFD2}" type="datetimeFigureOut">
               <a:rPr lang="en-US" smtClean="0"/>
-              <a:t>8/15/2012</a:t>
+              <a:pPr/>
+              <a:t>8/20/2012</a:t>
             </a:fld>
             <a:endParaRPr lang="en-US"/>
           </a:p>
@@ -2733,6 +3282,7 @@
           <a:p>
             <a:fld id="{004456E5-DC3C-485E-B971-7976F2BABB57}" type="slidenum">
               <a:rPr lang="en-US" smtClean="0"/>
+              <a:pPr/>
               <a:t>‹#›</a:t>
             </a:fld>
             <a:endParaRPr lang="en-US"/>
@@ -2742,7 +3292,7 @@
     </p:spTree>
     <p:extLst>
       <p:ext uri="{BB962C8B-B14F-4D97-AF65-F5344CB8AC3E}">
-        <p14:creationId xmlns:p14="http://schemas.microsoft.com/office/powerpoint/2010/main" val="2326715867"/>
+        <p14:creationId xmlns:p14="http://schemas.microsoft.com/office/powerpoint/2010/main" xmlns="" val="2326715867"/>
       </p:ext>
     </p:extLst>
   </p:cSld>
@@ -2944,7 +3494,8 @@
           <a:p>
             <a:fld id="{6A98A6B1-712E-494A-9ABF-FEA317F9BFD2}" type="datetimeFigureOut">
               <a:rPr lang="en-US" smtClean="0"/>
-              <a:t>8/15/2012</a:t>
+              <a:pPr/>
+              <a:t>8/20/2012</a:t>
             </a:fld>
             <a:endParaRPr lang="en-US"/>
           </a:p>
@@ -2986,6 +3537,7 @@
           <a:p>
             <a:fld id="{004456E5-DC3C-485E-B971-7976F2BABB57}" type="slidenum">
               <a:rPr lang="en-US" smtClean="0"/>
+              <a:pPr/>
               <a:t>‹#›</a:t>
             </a:fld>
             <a:endParaRPr lang="en-US"/>
@@ -2995,7 +3547,7 @@
     </p:spTree>
     <p:extLst>
       <p:ext uri="{BB962C8B-B14F-4D97-AF65-F5344CB8AC3E}">
-        <p14:creationId xmlns:p14="http://schemas.microsoft.com/office/powerpoint/2010/main" val="104738680"/>
+        <p14:creationId xmlns:p14="http://schemas.microsoft.com/office/powerpoint/2010/main" xmlns="" val="104738680"/>
       </p:ext>
     </p:extLst>
   </p:cSld>
@@ -3157,7 +3709,8 @@
           <a:p>
             <a:fld id="{6A98A6B1-712E-494A-9ABF-FEA317F9BFD2}" type="datetimeFigureOut">
               <a:rPr lang="en-US" smtClean="0"/>
-              <a:t>8/15/2012</a:t>
+              <a:pPr/>
+              <a:t>8/20/2012</a:t>
             </a:fld>
             <a:endParaRPr lang="en-US"/>
           </a:p>
@@ -3235,6 +3788,7 @@
           <a:p>
             <a:fld id="{004456E5-DC3C-485E-B971-7976F2BABB57}" type="slidenum">
               <a:rPr lang="en-US" smtClean="0"/>
+              <a:pPr/>
               <a:t>‹#›</a:t>
             </a:fld>
             <a:endParaRPr lang="en-US"/>
@@ -3244,7 +3798,7 @@
     </p:spTree>
     <p:extLst>
       <p:ext uri="{BB962C8B-B14F-4D97-AF65-F5344CB8AC3E}">
-        <p14:creationId xmlns:p14="http://schemas.microsoft.com/office/powerpoint/2010/main" val="1126434296"/>
+        <p14:creationId xmlns:p14="http://schemas.microsoft.com/office/powerpoint/2010/main" xmlns="" val="1126434296"/>
       </p:ext>
     </p:extLst>
   </p:cSld>
@@ -3547,7 +4101,11 @@
           <a:bodyPr/>
           <a:lstStyle/>
           <a:p>
-            <a:endParaRPr lang="en-US"/>
+            <a:r>
+              <a:rPr lang="en-US" dirty="0" smtClean="0"/>
+              <a:t>Stitching the Tutorials Together</a:t>
+            </a:r>
+            <a:endParaRPr lang="en-US" dirty="0"/>
           </a:p>
         </p:txBody>
       </p:sp>
@@ -3563,23 +4121,2122 @@
         </p:nvSpPr>
         <p:spPr/>
         <p:txBody>
-          <a:bodyPr/>
-          <a:lstStyle/>
-          <a:p>
-            <a:endParaRPr lang="en-US"/>
+          <a:bodyPr>
+            <a:normAutofit fontScale="92500"/>
+          </a:bodyPr>
+          <a:lstStyle/>
+          <a:p>
+            <a:r>
+              <a:rPr lang="en-US" b="1" dirty="0" smtClean="0"/>
+              <a:t>Introduction to Systems Biology Course</a:t>
+            </a:r>
+          </a:p>
+          <a:p>
+            <a:r>
+              <a:rPr lang="en-US" dirty="0" smtClean="0"/>
+              <a:t>Chris </a:t>
+            </a:r>
+            <a:r>
+              <a:rPr lang="en-US" dirty="0" err="1" smtClean="0"/>
+              <a:t>Plaisier</a:t>
+            </a:r>
+            <a:endParaRPr lang="en-US" dirty="0" smtClean="0"/>
+          </a:p>
+          <a:p>
+            <a:r>
+              <a:rPr lang="en-US" dirty="0" smtClean="0"/>
+              <a:t>Institute for Systems Biology</a:t>
+            </a:r>
+            <a:endParaRPr lang="en-US" dirty="0"/>
           </a:p>
         </p:txBody>
       </p:sp>
     </p:spTree>
     <p:extLst>
       <p:ext uri="{BB962C8B-B14F-4D97-AF65-F5344CB8AC3E}">
-        <p14:creationId xmlns:p14="http://schemas.microsoft.com/office/powerpoint/2010/main" val="1639265532"/>
+        <p14:creationId xmlns:p14="http://schemas.microsoft.com/office/powerpoint/2010/main" xmlns="" val="1652633343"/>
       </p:ext>
     </p:extLst>
   </p:cSld>
   <p:clrMapOvr>
     <a:masterClrMapping/>
   </p:clrMapOvr>
+  <p:timing>
+    <p:tnLst>
+      <p:par>
+        <p:cTn id="1" dur="indefinite" restart="never" nodeType="tmRoot"/>
+      </p:par>
+    </p:tnLst>
+  </p:timing>
+</p:sld>
+</file>
+
+<file path=ppt/slides/slide10.xml><?xml version="1.0" encoding="utf-8"?>
+<p:sld xmlns:a="http://schemas.openxmlformats.org/drawingml/2006/main" xmlns:r="http://schemas.openxmlformats.org/officeDocument/2006/relationships" xmlns:p="http://schemas.openxmlformats.org/presentationml/2006/main">
+  <p:cSld>
+    <p:spTree>
+      <p:nvGrpSpPr>
+        <p:cNvPr id="1" name=""/>
+        <p:cNvGrpSpPr/>
+        <p:nvPr/>
+      </p:nvGrpSpPr>
+      <p:grpSpPr>
+        <a:xfrm>
+          <a:off x="0" y="0"/>
+          <a:ext cx="0" cy="0"/>
+          <a:chOff x="0" y="0"/>
+          <a:chExt cx="0" cy="0"/>
+        </a:xfrm>
+      </p:grpSpPr>
+      <p:sp>
+        <p:nvSpPr>
+          <p:cNvPr id="2" name="Title 1"/>
+          <p:cNvSpPr>
+            <a:spLocks noGrp="1"/>
+          </p:cNvSpPr>
+          <p:nvPr>
+            <p:ph type="title"/>
+          </p:nvPr>
+        </p:nvSpPr>
+        <p:spPr/>
+        <p:txBody>
+          <a:bodyPr/>
+          <a:lstStyle/>
+          <a:p>
+            <a:r>
+              <a:rPr lang="en-US" dirty="0" smtClean="0"/>
+              <a:t>Correlation with CNV</a:t>
+            </a:r>
+            <a:endParaRPr lang="en-US" dirty="0"/>
+          </a:p>
+        </p:txBody>
+      </p:sp>
+      <p:sp>
+        <p:nvSpPr>
+          <p:cNvPr id="4" name="Content Placeholder 3"/>
+          <p:cNvSpPr>
+            <a:spLocks noGrp="1"/>
+          </p:cNvSpPr>
+          <p:nvPr>
+            <p:ph sz="half" idx="2"/>
+          </p:nvPr>
+        </p:nvSpPr>
+        <p:spPr/>
+        <p:txBody>
+          <a:bodyPr>
+            <a:normAutofit fontScale="92500" lnSpcReduction="20000"/>
+          </a:bodyPr>
+          <a:lstStyle/>
+          <a:p>
+            <a:r>
+              <a:rPr lang="en-US" dirty="0" smtClean="0"/>
+              <a:t>We took it one step further and tested for a correlation between the CNV and miRNA target genes</a:t>
+            </a:r>
+          </a:p>
+          <a:p>
+            <a:endParaRPr lang="en-US" dirty="0" smtClean="0"/>
+          </a:p>
+          <a:p>
+            <a:r>
+              <a:rPr lang="en-US" dirty="0" smtClean="0"/>
+              <a:t>Only one gene for hsa-miR-26a that was associated with the miRNA expression was not associated with hsa-miR-26a CNV</a:t>
+            </a:r>
+            <a:endParaRPr lang="en-US" dirty="0"/>
+          </a:p>
+        </p:txBody>
+      </p:sp>
+      <p:pic>
+        <p:nvPicPr>
+          <p:cNvPr id="29698" name="Picture 2"/>
+          <p:cNvPicPr>
+            <a:picLocks noGrp="1" noChangeAspect="1" noChangeArrowheads="1"/>
+          </p:cNvPicPr>
+          <p:nvPr>
+            <p:ph sz="half" idx="1"/>
+          </p:nvPr>
+        </p:nvPicPr>
+        <p:blipFill>
+          <a:blip r:embed="rId2" cstate="print"/>
+          <a:srcRect/>
+          <a:stretch>
+            <a:fillRect/>
+          </a:stretch>
+        </p:blipFill>
+        <p:spPr bwMode="auto">
+          <a:xfrm>
+            <a:off x="457200" y="1849223"/>
+            <a:ext cx="4038600" cy="4027917"/>
+          </a:xfrm>
+          <a:prstGeom prst="rect">
+            <a:avLst/>
+          </a:prstGeom>
+          <a:noFill/>
+          <a:ln w="9525">
+            <a:noFill/>
+            <a:miter lim="800000"/>
+            <a:headEnd/>
+            <a:tailEnd/>
+          </a:ln>
+        </p:spPr>
+      </p:pic>
+    </p:spTree>
+  </p:cSld>
+  <p:clrMapOvr>
+    <a:masterClrMapping/>
+  </p:clrMapOvr>
+</p:sld>
+</file>
+
+<file path=ppt/slides/slide11.xml><?xml version="1.0" encoding="utf-8"?>
+<p:sld xmlns:a="http://schemas.openxmlformats.org/drawingml/2006/main" xmlns:r="http://schemas.openxmlformats.org/officeDocument/2006/relationships" xmlns:p="http://schemas.openxmlformats.org/presentationml/2006/main">
+  <p:cSld>
+    <p:spTree>
+      <p:nvGrpSpPr>
+        <p:cNvPr id="1" name=""/>
+        <p:cNvGrpSpPr/>
+        <p:nvPr/>
+      </p:nvGrpSpPr>
+      <p:grpSpPr>
+        <a:xfrm>
+          <a:off x="0" y="0"/>
+          <a:ext cx="0" cy="0"/>
+          <a:chOff x="0" y="0"/>
+          <a:chExt cx="0" cy="0"/>
+        </a:xfrm>
+      </p:grpSpPr>
+      <p:sp>
+        <p:nvSpPr>
+          <p:cNvPr id="5" name="Title 4"/>
+          <p:cNvSpPr>
+            <a:spLocks noGrp="1"/>
+          </p:cNvSpPr>
+          <p:nvPr>
+            <p:ph type="title"/>
+          </p:nvPr>
+        </p:nvSpPr>
+        <p:spPr/>
+        <p:txBody>
+          <a:bodyPr/>
+          <a:lstStyle/>
+          <a:p>
+            <a:r>
+              <a:rPr lang="en-US" dirty="0" smtClean="0"/>
+              <a:t>How could we make it better?</a:t>
+            </a:r>
+            <a:endParaRPr lang="en-US" dirty="0"/>
+          </a:p>
+        </p:txBody>
+      </p:sp>
+      <p:sp>
+        <p:nvSpPr>
+          <p:cNvPr id="6" name="Content Placeholder 5"/>
+          <p:cNvSpPr>
+            <a:spLocks noGrp="1"/>
+          </p:cNvSpPr>
+          <p:nvPr>
+            <p:ph idx="1"/>
+          </p:nvPr>
+        </p:nvSpPr>
+        <p:spPr/>
+        <p:txBody>
+          <a:bodyPr/>
+          <a:lstStyle/>
+          <a:p>
+            <a:r>
+              <a:rPr lang="en-US" dirty="0" smtClean="0"/>
+              <a:t>Use linear regression and integrate strength of PITA match</a:t>
+            </a:r>
+          </a:p>
+          <a:p>
+            <a:endParaRPr lang="en-US" dirty="0" smtClean="0"/>
+          </a:p>
+          <a:p>
+            <a:r>
+              <a:rPr lang="en-US" dirty="0" smtClean="0"/>
+              <a:t>Others?</a:t>
+            </a:r>
+            <a:endParaRPr lang="en-US" dirty="0"/>
+          </a:p>
+        </p:txBody>
+      </p:sp>
+    </p:spTree>
+  </p:cSld>
+  <p:clrMapOvr>
+    <a:masterClrMapping/>
+  </p:clrMapOvr>
+</p:sld>
+</file>
+
+<file path=ppt/slides/slide12.xml><?xml version="1.0" encoding="utf-8"?>
+<p:sld xmlns:a="http://schemas.openxmlformats.org/drawingml/2006/main" xmlns:r="http://schemas.openxmlformats.org/officeDocument/2006/relationships" xmlns:p="http://schemas.openxmlformats.org/presentationml/2006/main">
+  <p:cSld>
+    <p:spTree>
+      <p:nvGrpSpPr>
+        <p:cNvPr id="1" name=""/>
+        <p:cNvGrpSpPr/>
+        <p:nvPr/>
+      </p:nvGrpSpPr>
+      <p:grpSpPr>
+        <a:xfrm>
+          <a:off x="0" y="0"/>
+          <a:ext cx="0" cy="0"/>
+          <a:chOff x="0" y="0"/>
+          <a:chExt cx="0" cy="0"/>
+        </a:xfrm>
+      </p:grpSpPr>
+      <p:sp>
+        <p:nvSpPr>
+          <p:cNvPr id="5" name="Title 4"/>
+          <p:cNvSpPr>
+            <a:spLocks noGrp="1"/>
+          </p:cNvSpPr>
+          <p:nvPr>
+            <p:ph type="title"/>
+          </p:nvPr>
+        </p:nvSpPr>
+        <p:spPr/>
+        <p:txBody>
+          <a:bodyPr>
+            <a:normAutofit/>
+          </a:bodyPr>
+          <a:lstStyle/>
+          <a:p>
+            <a:r>
+              <a:rPr lang="en-US" dirty="0" smtClean="0"/>
+              <a:t>Causality?</a:t>
+            </a:r>
+            <a:endParaRPr lang="en-US" dirty="0"/>
+          </a:p>
+        </p:txBody>
+      </p:sp>
+      <p:sp>
+        <p:nvSpPr>
+          <p:cNvPr id="6" name="Content Placeholder 5"/>
+          <p:cNvSpPr>
+            <a:spLocks noGrp="1"/>
+          </p:cNvSpPr>
+          <p:nvPr>
+            <p:ph idx="1"/>
+          </p:nvPr>
+        </p:nvSpPr>
+        <p:spPr/>
+        <p:txBody>
+          <a:bodyPr>
+            <a:normAutofit/>
+          </a:bodyPr>
+          <a:lstStyle/>
+          <a:p>
+            <a:r>
+              <a:rPr lang="en-US" dirty="0" smtClean="0"/>
+              <a:t>Purpose of correlation with CNV is that we wanted to make sure the effect of the miRNA on the target genes was through the CNV</a:t>
+            </a:r>
+          </a:p>
+          <a:p>
+            <a:endParaRPr lang="en-US" dirty="0" smtClean="0"/>
+          </a:p>
+          <a:p>
+            <a:r>
+              <a:rPr lang="en-US" dirty="0" smtClean="0"/>
+              <a:t>Can we really say for sure the direction of the association?</a:t>
+            </a:r>
+          </a:p>
+          <a:p>
+            <a:pPr lvl="1"/>
+            <a:r>
+              <a:rPr lang="en-US" dirty="0" smtClean="0"/>
+              <a:t>Can we imply causality?</a:t>
+            </a:r>
+            <a:endParaRPr lang="en-US" dirty="0"/>
+          </a:p>
+        </p:txBody>
+      </p:sp>
+    </p:spTree>
+  </p:cSld>
+  <p:clrMapOvr>
+    <a:masterClrMapping/>
+  </p:clrMapOvr>
+</p:sld>
+</file>
+
+<file path=ppt/slides/slide13.xml><?xml version="1.0" encoding="utf-8"?>
+<p:sld xmlns:a="http://schemas.openxmlformats.org/drawingml/2006/main" xmlns:r="http://schemas.openxmlformats.org/officeDocument/2006/relationships" xmlns:p="http://schemas.openxmlformats.org/presentationml/2006/main">
+  <p:cSld>
+    <p:spTree>
+      <p:nvGrpSpPr>
+        <p:cNvPr id="1" name=""/>
+        <p:cNvGrpSpPr/>
+        <p:nvPr/>
+      </p:nvGrpSpPr>
+      <p:grpSpPr>
+        <a:xfrm>
+          <a:off x="0" y="0"/>
+          <a:ext cx="0" cy="0"/>
+          <a:chOff x="0" y="0"/>
+          <a:chExt cx="0" cy="0"/>
+        </a:xfrm>
+      </p:grpSpPr>
+      <p:pic>
+        <p:nvPicPr>
+          <p:cNvPr id="28674" name="Picture 2"/>
+          <p:cNvPicPr>
+            <a:picLocks noGrp="1" noChangeAspect="1" noChangeArrowheads="1"/>
+          </p:cNvPicPr>
+          <p:nvPr>
+            <p:ph idx="1"/>
+          </p:nvPr>
+        </p:nvPicPr>
+        <p:blipFill>
+          <a:blip r:embed="rId2" cstate="print"/>
+          <a:srcRect/>
+          <a:stretch>
+            <a:fillRect/>
+          </a:stretch>
+        </p:blipFill>
+        <p:spPr bwMode="auto">
+          <a:xfrm>
+            <a:off x="441651" y="237174"/>
+            <a:ext cx="8260699" cy="6383652"/>
+          </a:xfrm>
+          <a:prstGeom prst="rect">
+            <a:avLst/>
+          </a:prstGeom>
+          <a:noFill/>
+          <a:ln w="9525">
+            <a:noFill/>
+            <a:miter lim="800000"/>
+            <a:headEnd/>
+            <a:tailEnd/>
+          </a:ln>
+        </p:spPr>
+      </p:pic>
+    </p:spTree>
+  </p:cSld>
+  <p:clrMapOvr>
+    <a:masterClrMapping/>
+  </p:clrMapOvr>
+</p:sld>
+</file>
+
+<file path=ppt/slides/slide14.xml><?xml version="1.0" encoding="utf-8"?>
+<p:sld xmlns:a="http://schemas.openxmlformats.org/drawingml/2006/main" xmlns:r="http://schemas.openxmlformats.org/officeDocument/2006/relationships" xmlns:p="http://schemas.openxmlformats.org/presentationml/2006/main">
+  <p:cSld>
+    <p:spTree>
+      <p:nvGrpSpPr>
+        <p:cNvPr id="1" name=""/>
+        <p:cNvGrpSpPr/>
+        <p:nvPr/>
+      </p:nvGrpSpPr>
+      <p:grpSpPr>
+        <a:xfrm>
+          <a:off x="0" y="0"/>
+          <a:ext cx="0" cy="0"/>
+          <a:chOff x="0" y="0"/>
+          <a:chExt cx="0" cy="0"/>
+        </a:xfrm>
+      </p:grpSpPr>
+      <p:sp>
+        <p:nvSpPr>
+          <p:cNvPr id="2" name="Title 1"/>
+          <p:cNvSpPr>
+            <a:spLocks noGrp="1"/>
+          </p:cNvSpPr>
+          <p:nvPr>
+            <p:ph type="title"/>
+          </p:nvPr>
+        </p:nvSpPr>
+        <p:spPr/>
+        <p:txBody>
+          <a:bodyPr/>
+          <a:lstStyle/>
+          <a:p>
+            <a:r>
+              <a:rPr lang="en-US" dirty="0" smtClean="0"/>
+              <a:t>Consistent with Causality</a:t>
+            </a:r>
+            <a:endParaRPr lang="en-US" dirty="0"/>
+          </a:p>
+        </p:txBody>
+      </p:sp>
+      <p:sp>
+        <p:nvSpPr>
+          <p:cNvPr id="3" name="Content Placeholder 2"/>
+          <p:cNvSpPr>
+            <a:spLocks noGrp="1"/>
+          </p:cNvSpPr>
+          <p:nvPr>
+            <p:ph idx="1"/>
+          </p:nvPr>
+        </p:nvSpPr>
+        <p:spPr/>
+        <p:txBody>
+          <a:bodyPr>
+            <a:normAutofit fontScale="92500" lnSpcReduction="10000"/>
+          </a:bodyPr>
+          <a:lstStyle/>
+          <a:p>
+            <a:r>
+              <a:rPr lang="en-US" dirty="0" smtClean="0"/>
+              <a:t>While not a test for causality the fact that conditioning miRNA target gene expression on hsa-miR-26a expression significantly reduces the association is consistent with a causal model</a:t>
+            </a:r>
+          </a:p>
+          <a:p>
+            <a:endParaRPr lang="en-US" dirty="0" smtClean="0"/>
+          </a:p>
+          <a:p>
+            <a:r>
+              <a:rPr lang="en-US" dirty="0" smtClean="0"/>
+              <a:t>There are ways we could model causal information flow</a:t>
+            </a:r>
+          </a:p>
+          <a:p>
+            <a:pPr lvl="1"/>
+            <a:r>
+              <a:rPr lang="en-US" dirty="0" smtClean="0">
+                <a:hlinkClick r:id="rId2"/>
+              </a:rPr>
+              <a:t>http</a:t>
+            </a:r>
+            <a:r>
+              <a:rPr lang="en-US" dirty="0" smtClean="0">
+                <a:hlinkClick r:id="rId2"/>
+              </a:rPr>
+              <a:t>://</a:t>
+            </a:r>
+            <a:r>
+              <a:rPr lang="en-US" dirty="0" smtClean="0">
+                <a:hlinkClick r:id="rId2"/>
+              </a:rPr>
+              <a:t>www.genetics.ucla.edu/labs/horvath/aten/NEO</a:t>
+            </a:r>
+            <a:endParaRPr lang="en-US" dirty="0" smtClean="0"/>
+          </a:p>
+          <a:p>
+            <a:pPr lvl="1"/>
+            <a:r>
+              <a:rPr lang="en-US" dirty="0" smtClean="0">
+                <a:hlinkClick r:id="rId3"/>
+              </a:rPr>
+              <a:t>http://www.nature.com/ng/journal/v37/n7/abs/ng1589.html</a:t>
+            </a:r>
+            <a:endParaRPr lang="en-US" dirty="0"/>
+          </a:p>
+        </p:txBody>
+      </p:sp>
+    </p:spTree>
+  </p:cSld>
+  <p:clrMapOvr>
+    <a:masterClrMapping/>
+  </p:clrMapOvr>
+</p:sld>
+</file>
+
+<file path=ppt/slides/slide15.xml><?xml version="1.0" encoding="utf-8"?>
+<p:sld xmlns:a="http://schemas.openxmlformats.org/drawingml/2006/main" xmlns:r="http://schemas.openxmlformats.org/officeDocument/2006/relationships" xmlns:p="http://schemas.openxmlformats.org/presentationml/2006/main">
+  <p:cSld>
+    <p:spTree>
+      <p:nvGrpSpPr>
+        <p:cNvPr id="1" name=""/>
+        <p:cNvGrpSpPr/>
+        <p:nvPr/>
+      </p:nvGrpSpPr>
+      <p:grpSpPr>
+        <a:xfrm>
+          <a:off x="0" y="0"/>
+          <a:ext cx="0" cy="0"/>
+          <a:chOff x="0" y="0"/>
+          <a:chExt cx="0" cy="0"/>
+        </a:xfrm>
+      </p:grpSpPr>
+      <p:sp>
+        <p:nvSpPr>
+          <p:cNvPr id="2" name="Title 1"/>
+          <p:cNvSpPr>
+            <a:spLocks noGrp="1"/>
+          </p:cNvSpPr>
+          <p:nvPr>
+            <p:ph type="title"/>
+          </p:nvPr>
+        </p:nvSpPr>
+        <p:spPr/>
+        <p:txBody>
+          <a:bodyPr>
+            <a:normAutofit fontScale="90000"/>
+          </a:bodyPr>
+          <a:lstStyle/>
+          <a:p>
+            <a:r>
+              <a:rPr lang="en-US" dirty="0" smtClean="0"/>
+              <a:t>Integration with Clinical Phenotypes</a:t>
+            </a:r>
+            <a:endParaRPr lang="en-US" dirty="0"/>
+          </a:p>
+        </p:txBody>
+      </p:sp>
+      <p:sp>
+        <p:nvSpPr>
+          <p:cNvPr id="3" name="Content Placeholder 2"/>
+          <p:cNvSpPr>
+            <a:spLocks noGrp="1"/>
+          </p:cNvSpPr>
+          <p:nvPr>
+            <p:ph idx="1"/>
+          </p:nvPr>
+        </p:nvSpPr>
+        <p:spPr/>
+        <p:txBody>
+          <a:bodyPr/>
+          <a:lstStyle/>
+          <a:p>
+            <a:r>
+              <a:rPr lang="en-US" dirty="0" smtClean="0"/>
+              <a:t>Case / Control</a:t>
+            </a:r>
+          </a:p>
+          <a:p>
+            <a:pPr lvl="1"/>
+            <a:r>
+              <a:rPr lang="en-US" dirty="0" smtClean="0"/>
+              <a:t>Student’s T-Test</a:t>
+            </a:r>
+          </a:p>
+          <a:p>
+            <a:endParaRPr lang="en-US" dirty="0" smtClean="0"/>
+          </a:p>
+          <a:p>
+            <a:r>
+              <a:rPr lang="en-US" dirty="0" smtClean="0"/>
+              <a:t>Correlation / Regression</a:t>
+            </a:r>
+          </a:p>
+          <a:p>
+            <a:endParaRPr lang="en-US" dirty="0" smtClean="0"/>
+          </a:p>
+          <a:p>
+            <a:r>
+              <a:rPr lang="en-US" dirty="0" smtClean="0"/>
+              <a:t>Survival analysis</a:t>
+            </a:r>
+          </a:p>
+          <a:p>
+            <a:pPr lvl="1"/>
+            <a:r>
+              <a:rPr lang="en-US" dirty="0" smtClean="0"/>
+              <a:t>Need time to event and status at end of study</a:t>
+            </a:r>
+          </a:p>
+          <a:p>
+            <a:endParaRPr lang="en-US" dirty="0" smtClean="0"/>
+          </a:p>
+          <a:p>
+            <a:endParaRPr lang="en-US" dirty="0" smtClean="0"/>
+          </a:p>
+        </p:txBody>
+      </p:sp>
+    </p:spTree>
+  </p:cSld>
+  <p:clrMapOvr>
+    <a:masterClrMapping/>
+  </p:clrMapOvr>
+</p:sld>
+</file>
+
+<file path=ppt/slides/slide16.xml><?xml version="1.0" encoding="utf-8"?>
+<p:sld xmlns:a="http://schemas.openxmlformats.org/drawingml/2006/main" xmlns:r="http://schemas.openxmlformats.org/officeDocument/2006/relationships" xmlns:p="http://schemas.openxmlformats.org/presentationml/2006/main">
+  <p:cSld>
+    <p:spTree>
+      <p:nvGrpSpPr>
+        <p:cNvPr id="1" name=""/>
+        <p:cNvGrpSpPr/>
+        <p:nvPr/>
+      </p:nvGrpSpPr>
+      <p:grpSpPr>
+        <a:xfrm>
+          <a:off x="0" y="0"/>
+          <a:ext cx="0" cy="0"/>
+          <a:chOff x="0" y="0"/>
+          <a:chExt cx="0" cy="0"/>
+        </a:xfrm>
+      </p:grpSpPr>
+      <p:sp>
+        <p:nvSpPr>
+          <p:cNvPr id="2" name="Title 1"/>
+          <p:cNvSpPr>
+            <a:spLocks noGrp="1"/>
+          </p:cNvSpPr>
+          <p:nvPr>
+            <p:ph type="title"/>
+          </p:nvPr>
+        </p:nvSpPr>
+        <p:spPr/>
+        <p:txBody>
+          <a:bodyPr/>
+          <a:lstStyle/>
+          <a:p>
+            <a:r>
+              <a:rPr lang="en-US" dirty="0" smtClean="0"/>
+              <a:t>Glioma </a:t>
+            </a:r>
+            <a:r>
+              <a:rPr lang="en-US" dirty="0" err="1" smtClean="0"/>
+              <a:t>miRNAs</a:t>
+            </a:r>
+            <a:r>
+              <a:rPr lang="en-US" dirty="0" smtClean="0"/>
+              <a:t> Case/Control</a:t>
+            </a:r>
+            <a:endParaRPr lang="en-US" dirty="0"/>
+          </a:p>
+        </p:txBody>
+      </p:sp>
+      <p:pic>
+        <p:nvPicPr>
+          <p:cNvPr id="30722" name="Picture 2"/>
+          <p:cNvPicPr>
+            <a:picLocks noGrp="1" noChangeAspect="1" noChangeArrowheads="1"/>
+          </p:cNvPicPr>
+          <p:nvPr>
+            <p:ph idx="1"/>
+          </p:nvPr>
+        </p:nvPicPr>
+        <p:blipFill>
+          <a:blip r:embed="rId2" cstate="print"/>
+          <a:srcRect/>
+          <a:stretch>
+            <a:fillRect/>
+          </a:stretch>
+        </p:blipFill>
+        <p:spPr bwMode="auto">
+          <a:xfrm>
+            <a:off x="1181100" y="1502231"/>
+            <a:ext cx="6781800" cy="5253114"/>
+          </a:xfrm>
+          <a:prstGeom prst="rect">
+            <a:avLst/>
+          </a:prstGeom>
+          <a:noFill/>
+          <a:ln w="9525">
+            <a:noFill/>
+            <a:miter lim="800000"/>
+            <a:headEnd/>
+            <a:tailEnd/>
+          </a:ln>
+        </p:spPr>
+      </p:pic>
+    </p:spTree>
+  </p:cSld>
+  <p:clrMapOvr>
+    <a:masterClrMapping/>
+  </p:clrMapOvr>
+</p:sld>
+</file>
+
+<file path=ppt/slides/slide17.xml><?xml version="1.0" encoding="utf-8"?>
+<p:sld xmlns:a="http://schemas.openxmlformats.org/drawingml/2006/main" xmlns:r="http://schemas.openxmlformats.org/officeDocument/2006/relationships" xmlns:p="http://schemas.openxmlformats.org/presentationml/2006/main">
+  <p:cSld>
+    <p:spTree>
+      <p:nvGrpSpPr>
+        <p:cNvPr id="1" name=""/>
+        <p:cNvGrpSpPr/>
+        <p:nvPr/>
+      </p:nvGrpSpPr>
+      <p:grpSpPr>
+        <a:xfrm>
+          <a:off x="0" y="0"/>
+          <a:ext cx="0" cy="0"/>
+          <a:chOff x="0" y="0"/>
+          <a:chExt cx="0" cy="0"/>
+        </a:xfrm>
+      </p:grpSpPr>
+      <p:sp>
+        <p:nvSpPr>
+          <p:cNvPr id="5" name="Title 4"/>
+          <p:cNvSpPr>
+            <a:spLocks noGrp="1"/>
+          </p:cNvSpPr>
+          <p:nvPr>
+            <p:ph type="title"/>
+          </p:nvPr>
+        </p:nvSpPr>
+        <p:spPr/>
+        <p:txBody>
+          <a:bodyPr>
+            <a:normAutofit fontScale="90000"/>
+          </a:bodyPr>
+          <a:lstStyle/>
+          <a:p>
+            <a:r>
+              <a:rPr lang="en-US" dirty="0" smtClean="0"/>
+              <a:t>h</a:t>
+            </a:r>
+            <a:r>
+              <a:rPr lang="en-US" dirty="0" smtClean="0"/>
+              <a:t>sa-miR-26a Amplification Significantly Associated with Lower Survival</a:t>
+            </a:r>
+            <a:endParaRPr lang="en-US" dirty="0"/>
+          </a:p>
+        </p:txBody>
+      </p:sp>
+      <p:pic>
+        <p:nvPicPr>
+          <p:cNvPr id="2050" name="Picture 2" descr="http://www.pnas.org/content/107/5/2183/F5.large.jpg"/>
+          <p:cNvPicPr>
+            <a:picLocks noGrp="1" noChangeAspect="1" noChangeArrowheads="1"/>
+          </p:cNvPicPr>
+          <p:nvPr>
+            <p:ph idx="1"/>
+          </p:nvPr>
+        </p:nvPicPr>
+        <p:blipFill>
+          <a:blip r:embed="rId3" cstate="print"/>
+          <a:srcRect t="65661" r="50000"/>
+          <a:stretch>
+            <a:fillRect/>
+          </a:stretch>
+        </p:blipFill>
+        <p:spPr bwMode="auto">
+          <a:xfrm>
+            <a:off x="1903443" y="1718664"/>
+            <a:ext cx="5337114" cy="4758336"/>
+          </a:xfrm>
+          <a:prstGeom prst="rect">
+            <a:avLst/>
+          </a:prstGeom>
+          <a:noFill/>
+        </p:spPr>
+      </p:pic>
+    </p:spTree>
+    <p:extLst>
+      <p:ext uri="{BB962C8B-B14F-4D97-AF65-F5344CB8AC3E}">
+        <p14:creationId xmlns:p14="http://schemas.microsoft.com/office/powerpoint/2010/main" xmlns="" val="2633355076"/>
+      </p:ext>
+    </p:extLst>
+  </p:cSld>
+  <p:clrMapOvr>
+    <a:masterClrMapping/>
+  </p:clrMapOvr>
+  <p:timing>
+    <p:tnLst>
+      <p:par>
+        <p:cTn id="1" dur="indefinite" restart="never" nodeType="tmRoot"/>
+      </p:par>
+    </p:tnLst>
+  </p:timing>
+</p:sld>
+</file>
+
+<file path=ppt/slides/slide18.xml><?xml version="1.0" encoding="utf-8"?>
+<p:sld xmlns:a="http://schemas.openxmlformats.org/drawingml/2006/main" xmlns:r="http://schemas.openxmlformats.org/officeDocument/2006/relationships" xmlns:p="http://schemas.openxmlformats.org/presentationml/2006/main">
+  <p:cSld>
+    <p:spTree>
+      <p:nvGrpSpPr>
+        <p:cNvPr id="1" name=""/>
+        <p:cNvGrpSpPr/>
+        <p:nvPr/>
+      </p:nvGrpSpPr>
+      <p:grpSpPr>
+        <a:xfrm>
+          <a:off x="0" y="0"/>
+          <a:ext cx="0" cy="0"/>
+          <a:chOff x="0" y="0"/>
+          <a:chExt cx="0" cy="0"/>
+        </a:xfrm>
+      </p:grpSpPr>
+      <p:sp>
+        <p:nvSpPr>
+          <p:cNvPr id="2" name="Title 1"/>
+          <p:cNvSpPr>
+            <a:spLocks noGrp="1"/>
+          </p:cNvSpPr>
+          <p:nvPr>
+            <p:ph type="title"/>
+          </p:nvPr>
+        </p:nvSpPr>
+        <p:spPr/>
+        <p:txBody>
+          <a:bodyPr/>
+          <a:lstStyle/>
+          <a:p>
+            <a:r>
+              <a:rPr lang="en-US" dirty="0" smtClean="0"/>
+              <a:t>Summary</a:t>
+            </a:r>
+            <a:endParaRPr lang="en-US" dirty="0"/>
+          </a:p>
+        </p:txBody>
+      </p:sp>
+      <p:sp>
+        <p:nvSpPr>
+          <p:cNvPr id="3" name="Content Placeholder 2"/>
+          <p:cNvSpPr>
+            <a:spLocks noGrp="1"/>
+          </p:cNvSpPr>
+          <p:nvPr>
+            <p:ph idx="1"/>
+          </p:nvPr>
+        </p:nvSpPr>
+        <p:spPr/>
+        <p:txBody>
+          <a:bodyPr>
+            <a:normAutofit fontScale="92500" lnSpcReduction="10000"/>
+          </a:bodyPr>
+          <a:lstStyle/>
+          <a:p>
+            <a:r>
+              <a:rPr lang="en-US" dirty="0" smtClean="0"/>
+              <a:t>We repeated analysis done by Kim, et al.</a:t>
+            </a:r>
+          </a:p>
+          <a:p>
+            <a:endParaRPr lang="en-US" dirty="0" smtClean="0"/>
+          </a:p>
+          <a:p>
+            <a:r>
+              <a:rPr lang="en-US" dirty="0" smtClean="0"/>
+              <a:t>You learned how to calculate a correlation and Student’s T-test in R</a:t>
+            </a:r>
+          </a:p>
+          <a:p>
+            <a:endParaRPr lang="en-US" dirty="0" smtClean="0"/>
+          </a:p>
+          <a:p>
+            <a:r>
+              <a:rPr lang="en-US" dirty="0" smtClean="0"/>
+              <a:t>You learned how to correct for multiple testing</a:t>
+            </a:r>
+          </a:p>
+          <a:p>
+            <a:endParaRPr lang="en-US" dirty="0" smtClean="0"/>
+          </a:p>
+          <a:p>
+            <a:r>
+              <a:rPr lang="en-US" dirty="0" smtClean="0"/>
+              <a:t>You learned how to go from a global study to specific hypotheses for testing</a:t>
+            </a:r>
+            <a:endParaRPr lang="en-US" dirty="0"/>
+          </a:p>
+        </p:txBody>
+      </p:sp>
+    </p:spTree>
+  </p:cSld>
+  <p:clrMapOvr>
+    <a:masterClrMapping/>
+  </p:clrMapOvr>
+</p:sld>
+</file>
+
+<file path=ppt/slides/slide2.xml><?xml version="1.0" encoding="utf-8"?>
+<p:sld xmlns:a="http://schemas.openxmlformats.org/drawingml/2006/main" xmlns:r="http://schemas.openxmlformats.org/officeDocument/2006/relationships" xmlns:p="http://schemas.openxmlformats.org/presentationml/2006/main">
+  <p:cSld>
+    <p:spTree>
+      <p:nvGrpSpPr>
+        <p:cNvPr id="1" name=""/>
+        <p:cNvGrpSpPr/>
+        <p:nvPr/>
+      </p:nvGrpSpPr>
+      <p:grpSpPr>
+        <a:xfrm>
+          <a:off x="0" y="0"/>
+          <a:ext cx="0" cy="0"/>
+          <a:chOff x="0" y="0"/>
+          <a:chExt cx="0" cy="0"/>
+        </a:xfrm>
+      </p:grpSpPr>
+      <p:sp>
+        <p:nvSpPr>
+          <p:cNvPr id="2" name="Title 1"/>
+          <p:cNvSpPr>
+            <a:spLocks noGrp="1"/>
+          </p:cNvSpPr>
+          <p:nvPr>
+            <p:ph type="title"/>
+          </p:nvPr>
+        </p:nvSpPr>
+        <p:spPr/>
+        <p:txBody>
+          <a:bodyPr/>
+          <a:lstStyle/>
+          <a:p>
+            <a:r>
+              <a:rPr lang="en-US" dirty="0" smtClean="0"/>
+              <a:t>Impetus for Tutorial</a:t>
+            </a:r>
+            <a:endParaRPr lang="en-US" dirty="0"/>
+          </a:p>
+        </p:txBody>
+      </p:sp>
+      <p:pic>
+        <p:nvPicPr>
+          <p:cNvPr id="8" name="Picture 3"/>
+          <p:cNvPicPr>
+            <a:picLocks noGrp="1" noChangeAspect="1" noChangeArrowheads="1"/>
+          </p:cNvPicPr>
+          <p:nvPr>
+            <p:ph idx="1"/>
+          </p:nvPr>
+        </p:nvPicPr>
+        <p:blipFill>
+          <a:blip r:embed="rId3" cstate="print">
+            <a:extLst>
+              <a:ext uri="{28A0092B-C50C-407E-A947-70E740481C1C}">
+                <a14:useLocalDpi xmlns:a14="http://schemas.microsoft.com/office/drawing/2010/main" xmlns="" val="0"/>
+              </a:ext>
+            </a:extLst>
+          </a:blip>
+          <a:srcRect/>
+          <a:stretch>
+            <a:fillRect/>
+          </a:stretch>
+        </p:blipFill>
+        <p:spPr bwMode="auto">
+          <a:xfrm>
+            <a:off x="1228676" y="1600200"/>
+            <a:ext cx="6686648" cy="4525963"/>
+          </a:xfrm>
+          <a:prstGeom prst="rect">
+            <a:avLst/>
+          </a:prstGeom>
+          <a:noFill/>
+          <a:ln>
+            <a:noFill/>
+          </a:ln>
+          <a:effectLst/>
+          <a:extLst>
+            <a:ext uri="{909E8E84-426E-40DD-AFC4-6F175D3DCCD1}">
+              <a14:hiddenFill xmlns:a14="http://schemas.microsoft.com/office/drawing/2010/main" xmlns="">
+                <a:solidFill>
+                  <a:schemeClr val="accent1"/>
+                </a:solidFill>
+              </a14:hiddenFill>
+            </a:ext>
+            <a:ext uri="{91240B29-F687-4F45-9708-019B960494DF}">
+              <a14:hiddenLine xmlns:a14="http://schemas.microsoft.com/office/drawing/2010/main" xmlns="" w="9525">
+                <a:solidFill>
+                  <a:schemeClr val="tx1"/>
+                </a:solidFill>
+                <a:miter lim="800000"/>
+                <a:headEnd/>
+                <a:tailEnd/>
+              </a14:hiddenLine>
+            </a:ext>
+            <a:ext uri="{AF507438-7753-43E0-B8FC-AC1667EBCBE1}">
+              <a14:hiddenEffects xmlns:a14="http://schemas.microsoft.com/office/drawing/2010/main" xmlns="">
+                <a:effectLst>
+                  <a:outerShdw dist="35921" dir="2700000" algn="ctr" rotWithShape="0">
+                    <a:schemeClr val="bg2"/>
+                  </a:outerShdw>
+                </a:effectLst>
+              </a14:hiddenEffects>
+            </a:ext>
+          </a:extLst>
+        </p:spPr>
+      </p:pic>
+    </p:spTree>
+    <p:extLst>
+      <p:ext uri="{BB962C8B-B14F-4D97-AF65-F5344CB8AC3E}">
+        <p14:creationId xmlns:p14="http://schemas.microsoft.com/office/powerpoint/2010/main" xmlns="" val="3964482576"/>
+      </p:ext>
+    </p:extLst>
+  </p:cSld>
+  <p:clrMapOvr>
+    <a:masterClrMapping/>
+  </p:clrMapOvr>
+  <p:timing>
+    <p:tnLst>
+      <p:par>
+        <p:cTn id="1" dur="indefinite" restart="never" nodeType="tmRoot"/>
+      </p:par>
+    </p:tnLst>
+  </p:timing>
+</p:sld>
+</file>
+
+<file path=ppt/slides/slide3.xml><?xml version="1.0" encoding="utf-8"?>
+<p:sld xmlns:a="http://schemas.openxmlformats.org/drawingml/2006/main" xmlns:r="http://schemas.openxmlformats.org/officeDocument/2006/relationships" xmlns:p="http://schemas.openxmlformats.org/presentationml/2006/main">
+  <p:cSld>
+    <p:spTree>
+      <p:nvGrpSpPr>
+        <p:cNvPr id="1" name=""/>
+        <p:cNvGrpSpPr/>
+        <p:nvPr/>
+      </p:nvGrpSpPr>
+      <p:grpSpPr>
+        <a:xfrm>
+          <a:off x="0" y="0"/>
+          <a:ext cx="0" cy="0"/>
+          <a:chOff x="0" y="0"/>
+          <a:chExt cx="0" cy="0"/>
+        </a:xfrm>
+      </p:grpSpPr>
+      <p:sp>
+        <p:nvSpPr>
+          <p:cNvPr id="5" name="Title 4"/>
+          <p:cNvSpPr>
+            <a:spLocks noGrp="1"/>
+          </p:cNvSpPr>
+          <p:nvPr>
+            <p:ph type="title"/>
+          </p:nvPr>
+        </p:nvSpPr>
+        <p:spPr/>
+        <p:txBody>
+          <a:bodyPr/>
+          <a:lstStyle/>
+          <a:p>
+            <a:r>
+              <a:rPr lang="en-US" dirty="0" smtClean="0"/>
+              <a:t>Searching for Amplified miRNAs</a:t>
+            </a:r>
+            <a:endParaRPr lang="en-US" dirty="0"/>
+          </a:p>
+        </p:txBody>
+      </p:sp>
+      <p:sp>
+        <p:nvSpPr>
+          <p:cNvPr id="6" name="Content Placeholder 5"/>
+          <p:cNvSpPr>
+            <a:spLocks noGrp="1"/>
+          </p:cNvSpPr>
+          <p:nvPr>
+            <p:ph sz="half" idx="1"/>
+          </p:nvPr>
+        </p:nvSpPr>
+        <p:spPr/>
+        <p:txBody>
+          <a:bodyPr>
+            <a:normAutofit lnSpcReduction="10000"/>
+          </a:bodyPr>
+          <a:lstStyle/>
+          <a:p>
+            <a:r>
+              <a:rPr lang="en-US" dirty="0" smtClean="0"/>
+              <a:t>Region on chromosome 12 containing hsa-miR-26a is amplified in </a:t>
+            </a:r>
+            <a:r>
+              <a:rPr lang="en-US" dirty="0" err="1" smtClean="0"/>
+              <a:t>glioma</a:t>
+            </a:r>
+            <a:endParaRPr lang="en-US" dirty="0" smtClean="0"/>
+          </a:p>
+          <a:p>
+            <a:endParaRPr lang="en-US" dirty="0"/>
+          </a:p>
+          <a:p>
+            <a:r>
+              <a:rPr lang="en-US" dirty="0" smtClean="0"/>
+              <a:t>This region also contains a few other genes including the genes encapsulating hsa-miR-26a</a:t>
+            </a:r>
+            <a:endParaRPr lang="en-US" dirty="0"/>
+          </a:p>
+        </p:txBody>
+      </p:sp>
+      <p:pic>
+        <p:nvPicPr>
+          <p:cNvPr id="9" name="Picture 2" descr="http://www.pnas.org/content/107/5/2183/F1.large.jpg"/>
+          <p:cNvPicPr>
+            <a:picLocks noGrp="1" noChangeAspect="1" noChangeArrowheads="1"/>
+          </p:cNvPicPr>
+          <p:nvPr>
+            <p:ph sz="half" idx="2"/>
+          </p:nvPr>
+        </p:nvPicPr>
+        <p:blipFill rotWithShape="1">
+          <a:blip r:embed="rId3" cstate="print">
+            <a:extLst>
+              <a:ext uri="{28A0092B-C50C-407E-A947-70E740481C1C}">
+                <a14:useLocalDpi xmlns:a14="http://schemas.microsoft.com/office/drawing/2010/main" xmlns="" val="0"/>
+              </a:ext>
+            </a:extLst>
+          </a:blip>
+          <a:srcRect r="65927"/>
+          <a:stretch/>
+        </p:blipFill>
+        <p:spPr bwMode="auto">
+          <a:xfrm>
+            <a:off x="5163984" y="1676399"/>
+            <a:ext cx="2684616" cy="4419601"/>
+          </a:xfrm>
+          <a:prstGeom prst="rect">
+            <a:avLst/>
+          </a:prstGeom>
+          <a:noFill/>
+          <a:extLst>
+            <a:ext uri="{909E8E84-426E-40DD-AFC4-6F175D3DCCD1}">
+              <a14:hiddenFill xmlns:a14="http://schemas.microsoft.com/office/drawing/2010/main" xmlns="">
+                <a:solidFill>
+                  <a:srgbClr val="FFFFFF"/>
+                </a:solidFill>
+              </a14:hiddenFill>
+            </a:ext>
+          </a:extLst>
+        </p:spPr>
+      </p:pic>
+    </p:spTree>
+    <p:extLst>
+      <p:ext uri="{BB962C8B-B14F-4D97-AF65-F5344CB8AC3E}">
+        <p14:creationId xmlns:p14="http://schemas.microsoft.com/office/powerpoint/2010/main" xmlns="" val="1877143285"/>
+      </p:ext>
+    </p:extLst>
+  </p:cSld>
+  <p:clrMapOvr>
+    <a:masterClrMapping/>
+  </p:clrMapOvr>
+  <p:timing>
+    <p:tnLst>
+      <p:par>
+        <p:cTn id="1" dur="indefinite" restart="never" nodeType="tmRoot"/>
+      </p:par>
+    </p:tnLst>
+  </p:timing>
+</p:sld>
+</file>
+
+<file path=ppt/slides/slide4.xml><?xml version="1.0" encoding="utf-8"?>
+<p:sld xmlns:a="http://schemas.openxmlformats.org/drawingml/2006/main" xmlns:r="http://schemas.openxmlformats.org/officeDocument/2006/relationships" xmlns:p="http://schemas.openxmlformats.org/presentationml/2006/main">
+  <p:cSld>
+    <p:spTree>
+      <p:nvGrpSpPr>
+        <p:cNvPr id="1" name=""/>
+        <p:cNvGrpSpPr/>
+        <p:nvPr/>
+      </p:nvGrpSpPr>
+      <p:grpSpPr>
+        <a:xfrm>
+          <a:off x="0" y="0"/>
+          <a:ext cx="0" cy="0"/>
+          <a:chOff x="0" y="0"/>
+          <a:chExt cx="0" cy="0"/>
+        </a:xfrm>
+      </p:grpSpPr>
+      <p:sp>
+        <p:nvSpPr>
+          <p:cNvPr id="5" name="Title 4"/>
+          <p:cNvSpPr>
+            <a:spLocks noGrp="1"/>
+          </p:cNvSpPr>
+          <p:nvPr>
+            <p:ph type="title"/>
+          </p:nvPr>
+        </p:nvSpPr>
+        <p:spPr/>
+        <p:txBody>
+          <a:bodyPr>
+            <a:normAutofit fontScale="90000"/>
+          </a:bodyPr>
+          <a:lstStyle/>
+          <a:p>
+            <a:r>
+              <a:rPr lang="en-US" sz="4000" dirty="0" smtClean="0"/>
+              <a:t>Screen for </a:t>
+            </a:r>
+            <a:r>
+              <a:rPr lang="en-US" sz="4000" dirty="0" err="1" smtClean="0"/>
+              <a:t>miRNAs</a:t>
+            </a:r>
+            <a:r>
+              <a:rPr lang="en-US" sz="4000" dirty="0" smtClean="0"/>
+              <a:t> Correlated with CNV</a:t>
+            </a:r>
+            <a:endParaRPr lang="en-US" sz="4000" dirty="0"/>
+          </a:p>
+        </p:txBody>
+      </p:sp>
+      <p:sp>
+        <p:nvSpPr>
+          <p:cNvPr id="6" name="Content Placeholder 5"/>
+          <p:cNvSpPr>
+            <a:spLocks noGrp="1"/>
+          </p:cNvSpPr>
+          <p:nvPr>
+            <p:ph idx="1"/>
+          </p:nvPr>
+        </p:nvSpPr>
+        <p:spPr/>
+        <p:txBody>
+          <a:bodyPr/>
+          <a:lstStyle/>
+          <a:p>
+            <a:r>
+              <a:rPr lang="en-US" dirty="0" smtClean="0"/>
+              <a:t>Which </a:t>
+            </a:r>
+            <a:r>
+              <a:rPr lang="en-US" dirty="0" err="1" smtClean="0"/>
+              <a:t>miRNA’s</a:t>
+            </a:r>
+            <a:r>
+              <a:rPr lang="en-US" dirty="0" smtClean="0"/>
+              <a:t> expression is modified by CNVs?</a:t>
+            </a:r>
+          </a:p>
+          <a:p>
+            <a:pPr lvl="1"/>
+            <a:r>
+              <a:rPr lang="en-US" dirty="0" smtClean="0"/>
+              <a:t>hsa-miR-26a = Amplified</a:t>
+            </a:r>
+          </a:p>
+          <a:p>
+            <a:pPr lvl="1"/>
+            <a:endParaRPr lang="en-US" dirty="0" smtClean="0"/>
+          </a:p>
+          <a:p>
+            <a:pPr lvl="1"/>
+            <a:r>
+              <a:rPr lang="en-US" dirty="0" smtClean="0"/>
+              <a:t>hsa-miR-491 = Deleted</a:t>
+            </a:r>
+          </a:p>
+          <a:p>
+            <a:pPr lvl="1"/>
+            <a:endParaRPr lang="en-US" dirty="0" smtClean="0"/>
+          </a:p>
+          <a:p>
+            <a:pPr lvl="1"/>
+            <a:r>
+              <a:rPr lang="en-US" dirty="0" smtClean="0"/>
+              <a:t>hsa-miR-339 = Amplified and deleted in sub-</a:t>
+            </a:r>
+            <a:r>
+              <a:rPr lang="en-US" dirty="0" err="1" smtClean="0"/>
+              <a:t>clonal</a:t>
+            </a:r>
+            <a:r>
+              <a:rPr lang="en-US" dirty="0" smtClean="0"/>
+              <a:t> </a:t>
+            </a:r>
+            <a:r>
+              <a:rPr lang="en-US" dirty="0" smtClean="0"/>
+              <a:t>populations </a:t>
+            </a:r>
+            <a:endParaRPr lang="en-US" dirty="0"/>
+          </a:p>
+        </p:txBody>
+      </p:sp>
+    </p:spTree>
+  </p:cSld>
+  <p:clrMapOvr>
+    <a:masterClrMapping/>
+  </p:clrMapOvr>
+  <p:timing>
+    <p:tnLst>
+      <p:par>
+        <p:cTn id="1" dur="indefinite" restart="never" nodeType="tmRoot"/>
+      </p:par>
+    </p:tnLst>
+  </p:timing>
+</p:sld>
+</file>
+
+<file path=ppt/slides/slide5.xml><?xml version="1.0" encoding="utf-8"?>
+<p:sld xmlns:a="http://schemas.openxmlformats.org/drawingml/2006/main" xmlns:r="http://schemas.openxmlformats.org/officeDocument/2006/relationships" xmlns:p="http://schemas.openxmlformats.org/presentationml/2006/main">
+  <p:cSld>
+    <p:spTree>
+      <p:nvGrpSpPr>
+        <p:cNvPr id="1" name=""/>
+        <p:cNvGrpSpPr/>
+        <p:nvPr/>
+      </p:nvGrpSpPr>
+      <p:grpSpPr>
+        <a:xfrm>
+          <a:off x="0" y="0"/>
+          <a:ext cx="0" cy="0"/>
+          <a:chOff x="0" y="0"/>
+          <a:chExt cx="0" cy="0"/>
+        </a:xfrm>
+      </p:grpSpPr>
+      <p:sp>
+        <p:nvSpPr>
+          <p:cNvPr id="2" name="Title 1"/>
+          <p:cNvSpPr>
+            <a:spLocks noGrp="1"/>
+          </p:cNvSpPr>
+          <p:nvPr>
+            <p:ph type="title"/>
+          </p:nvPr>
+        </p:nvSpPr>
+        <p:spPr/>
+        <p:txBody>
+          <a:bodyPr>
+            <a:normAutofit fontScale="90000"/>
+          </a:bodyPr>
+          <a:lstStyle/>
+          <a:p>
+            <a:r>
+              <a:rPr lang="en-US" dirty="0" smtClean="0"/>
+              <a:t>Correlation of miRNA Expression and Copy Number Variation</a:t>
+            </a:r>
+            <a:endParaRPr lang="en-US" dirty="0"/>
+          </a:p>
+        </p:txBody>
+      </p:sp>
+      <p:pic>
+        <p:nvPicPr>
+          <p:cNvPr id="5" name="Picture 2" descr="http://www.pnas.org/content/107/5/2183/F1.large.jpg"/>
+          <p:cNvPicPr>
+            <a:picLocks noGrp="1" noChangeAspect="1" noChangeArrowheads="1"/>
+          </p:cNvPicPr>
+          <p:nvPr>
+            <p:ph sz="half" idx="1"/>
+          </p:nvPr>
+        </p:nvPicPr>
+        <p:blipFill rotWithShape="1">
+          <a:blip r:embed="rId3" cstate="print">
+            <a:extLst>
+              <a:ext uri="{28A0092B-C50C-407E-A947-70E740481C1C}">
+                <a14:useLocalDpi xmlns:a14="http://schemas.microsoft.com/office/drawing/2010/main" xmlns="" val="0"/>
+              </a:ext>
+            </a:extLst>
+          </a:blip>
+          <a:srcRect l="34184" t="48444" r="37877"/>
+          <a:stretch/>
+        </p:blipFill>
+        <p:spPr bwMode="auto">
+          <a:xfrm>
+            <a:off x="533400" y="2013253"/>
+            <a:ext cx="3429000" cy="3549347"/>
+          </a:xfrm>
+          <a:prstGeom prst="rect">
+            <a:avLst/>
+          </a:prstGeom>
+          <a:noFill/>
+          <a:extLst>
+            <a:ext uri="{909E8E84-426E-40DD-AFC4-6F175D3DCCD1}">
+              <a14:hiddenFill xmlns:a14="http://schemas.microsoft.com/office/drawing/2010/main" xmlns="">
+                <a:solidFill>
+                  <a:srgbClr val="FFFFFF"/>
+                </a:solidFill>
+              </a14:hiddenFill>
+            </a:ext>
+          </a:extLst>
+        </p:spPr>
+      </p:pic>
+      <p:pic>
+        <p:nvPicPr>
+          <p:cNvPr id="6" name="Picture 2"/>
+          <p:cNvPicPr>
+            <a:picLocks noGrp="1" noChangeAspect="1" noChangeArrowheads="1"/>
+          </p:cNvPicPr>
+          <p:nvPr>
+            <p:ph sz="half" idx="2"/>
+          </p:nvPr>
+        </p:nvPicPr>
+        <p:blipFill>
+          <a:blip r:embed="rId4" cstate="print">
+            <a:extLst>
+              <a:ext uri="{28A0092B-C50C-407E-A947-70E740481C1C}">
+                <a14:useLocalDpi xmlns:a14="http://schemas.microsoft.com/office/drawing/2010/main" xmlns="" val="0"/>
+              </a:ext>
+            </a:extLst>
+          </a:blip>
+          <a:srcRect/>
+          <a:stretch>
+            <a:fillRect/>
+          </a:stretch>
+        </p:blipFill>
+        <p:spPr bwMode="auto">
+          <a:xfrm>
+            <a:off x="4649724" y="1836340"/>
+            <a:ext cx="4038600" cy="4038600"/>
+          </a:xfrm>
+          <a:prstGeom prst="rect">
+            <a:avLst/>
+          </a:prstGeom>
+          <a:noFill/>
+          <a:ln>
+            <a:noFill/>
+          </a:ln>
+          <a:effectLst/>
+          <a:extLst>
+            <a:ext uri="{909E8E84-426E-40DD-AFC4-6F175D3DCCD1}">
+              <a14:hiddenFill xmlns:a14="http://schemas.microsoft.com/office/drawing/2010/main" xmlns="">
+                <a:solidFill>
+                  <a:schemeClr val="accent1"/>
+                </a:solidFill>
+              </a14:hiddenFill>
+            </a:ext>
+            <a:ext uri="{91240B29-F687-4F45-9708-019B960494DF}">
+              <a14:hiddenLine xmlns:a14="http://schemas.microsoft.com/office/drawing/2010/main" xmlns="" w="9525">
+                <a:solidFill>
+                  <a:schemeClr val="tx1"/>
+                </a:solidFill>
+                <a:miter lim="800000"/>
+                <a:headEnd/>
+                <a:tailEnd/>
+              </a14:hiddenLine>
+            </a:ext>
+            <a:ext uri="{AF507438-7753-43E0-B8FC-AC1667EBCBE1}">
+              <a14:hiddenEffects xmlns:a14="http://schemas.microsoft.com/office/drawing/2010/main" xmlns="">
+                <a:effectLst>
+                  <a:outerShdw dist="35921" dir="2700000" algn="ctr" rotWithShape="0">
+                    <a:schemeClr val="bg2"/>
+                  </a:outerShdw>
+                </a:effectLst>
+              </a14:hiddenEffects>
+            </a:ext>
+          </a:extLst>
+        </p:spPr>
+      </p:pic>
+      <p:pic>
+        <p:nvPicPr>
+          <p:cNvPr id="9" name="Picture 2"/>
+          <p:cNvPicPr>
+            <a:picLocks noChangeAspect="1" noChangeArrowheads="1"/>
+          </p:cNvPicPr>
+          <p:nvPr/>
+        </p:nvPicPr>
+        <p:blipFill>
+          <a:blip r:embed="rId5" cstate="print">
+            <a:extLst>
+              <a:ext uri="{28A0092B-C50C-407E-A947-70E740481C1C}">
+                <a14:useLocalDpi xmlns:a14="http://schemas.microsoft.com/office/drawing/2010/main" xmlns="" val="0"/>
+              </a:ext>
+            </a:extLst>
+          </a:blip>
+          <a:srcRect/>
+          <a:stretch>
+            <a:fillRect/>
+          </a:stretch>
+        </p:blipFill>
+        <p:spPr bwMode="auto">
+          <a:xfrm>
+            <a:off x="4648200" y="1834816"/>
+            <a:ext cx="4041648" cy="4041648"/>
+          </a:xfrm>
+          <a:prstGeom prst="rect">
+            <a:avLst/>
+          </a:prstGeom>
+          <a:noFill/>
+          <a:ln>
+            <a:noFill/>
+          </a:ln>
+          <a:effectLst/>
+          <a:extLst>
+            <a:ext uri="{909E8E84-426E-40DD-AFC4-6F175D3DCCD1}">
+              <a14:hiddenFill xmlns:a14="http://schemas.microsoft.com/office/drawing/2010/main" xmlns="">
+                <a:solidFill>
+                  <a:schemeClr val="accent1"/>
+                </a:solidFill>
+              </a14:hiddenFill>
+            </a:ext>
+            <a:ext uri="{91240B29-F687-4F45-9708-019B960494DF}">
+              <a14:hiddenLine xmlns:a14="http://schemas.microsoft.com/office/drawing/2010/main" xmlns="" w="9525">
+                <a:solidFill>
+                  <a:schemeClr val="tx1"/>
+                </a:solidFill>
+                <a:miter lim="800000"/>
+                <a:headEnd/>
+                <a:tailEnd/>
+              </a14:hiddenLine>
+            </a:ext>
+            <a:ext uri="{AF507438-7753-43E0-B8FC-AC1667EBCBE1}">
+              <a14:hiddenEffects xmlns:a14="http://schemas.microsoft.com/office/drawing/2010/main" xmlns="">
+                <a:effectLst>
+                  <a:outerShdw dist="35921" dir="2700000" algn="ctr" rotWithShape="0">
+                    <a:schemeClr val="bg2"/>
+                  </a:outerShdw>
+                </a:effectLst>
+              </a14:hiddenEffects>
+            </a:ext>
+          </a:extLst>
+        </p:spPr>
+      </p:pic>
+    </p:spTree>
+    <p:extLst>
+      <p:ext uri="{BB962C8B-B14F-4D97-AF65-F5344CB8AC3E}">
+        <p14:creationId xmlns:p14="http://schemas.microsoft.com/office/powerpoint/2010/main" xmlns="" val="2462861260"/>
+      </p:ext>
+    </p:extLst>
+  </p:cSld>
+  <p:clrMapOvr>
+    <a:masterClrMapping/>
+  </p:clrMapOvr>
+  <p:timing>
+    <p:tnLst>
+      <p:par>
+        <p:cTn id="1" dur="indefinite" restart="never" nodeType="tmRoot">
+          <p:childTnLst>
+            <p:seq concurrent="1" nextAc="seek">
+              <p:cTn id="2" dur="indefinite" nodeType="mainSeq">
+                <p:childTnLst>
+                  <p:par>
+                    <p:cTn id="3" fill="hold">
+                      <p:stCondLst>
+                        <p:cond delay="indefinite"/>
+                      </p:stCondLst>
+                      <p:childTnLst>
+                        <p:par>
+                          <p:cTn id="4" fill="hold">
+                            <p:stCondLst>
+                              <p:cond delay="0"/>
+                            </p:stCondLst>
+                            <p:childTnLst>
+                              <p:par>
+                                <p:cTn id="5" presetID="1" presetClass="entr" presetSubtype="0" fill="hold" nodeType="clickEffect">
+                                  <p:stCondLst>
+                                    <p:cond delay="0"/>
+                                  </p:stCondLst>
+                                  <p:childTnLst>
+                                    <p:set>
+                                      <p:cBhvr>
+                                        <p:cTn id="6" dur="1" fill="hold">
+                                          <p:stCondLst>
+                                            <p:cond delay="0"/>
+                                          </p:stCondLst>
+                                        </p:cTn>
+                                        <p:tgtEl>
+                                          <p:spTgt spid="9"/>
+                                        </p:tgtEl>
+                                        <p:attrNameLst>
+                                          <p:attrName>style.visibility</p:attrName>
+                                        </p:attrNameLst>
+                                      </p:cBhvr>
+                                      <p:to>
+                                        <p:strVal val="visible"/>
+                                      </p:to>
+                                    </p:set>
+                                  </p:childTnLst>
+                                </p:cTn>
+                              </p:par>
+                            </p:childTnLst>
+                          </p:cTn>
+                        </p:par>
+                      </p:childTnLst>
+                    </p:cTn>
+                  </p:par>
+                </p:childTnLst>
+              </p:cTn>
+              <p:prevCondLst>
+                <p:cond evt="onPrev" delay="0">
+                  <p:tgtEl>
+                    <p:sldTgt/>
+                  </p:tgtEl>
+                </p:cond>
+              </p:prevCondLst>
+              <p:nextCondLst>
+                <p:cond evt="onNext" delay="0">
+                  <p:tgtEl>
+                    <p:sldTgt/>
+                  </p:tgtEl>
+                </p:cond>
+              </p:nextCondLst>
+            </p:seq>
+          </p:childTnLst>
+        </p:cTn>
+      </p:par>
+    </p:tnLst>
+  </p:timing>
+</p:sld>
+</file>
+
+<file path=ppt/slides/slide6.xml><?xml version="1.0" encoding="utf-8"?>
+<p:sld xmlns:a="http://schemas.openxmlformats.org/drawingml/2006/main" xmlns:r="http://schemas.openxmlformats.org/officeDocument/2006/relationships" xmlns:p="http://schemas.openxmlformats.org/presentationml/2006/main">
+  <p:cSld>
+    <p:spTree>
+      <p:nvGrpSpPr>
+        <p:cNvPr id="1" name=""/>
+        <p:cNvGrpSpPr/>
+        <p:nvPr/>
+      </p:nvGrpSpPr>
+      <p:grpSpPr>
+        <a:xfrm>
+          <a:off x="0" y="0"/>
+          <a:ext cx="0" cy="0"/>
+          <a:chOff x="0" y="0"/>
+          <a:chExt cx="0" cy="0"/>
+        </a:xfrm>
+      </p:grpSpPr>
+      <p:sp>
+        <p:nvSpPr>
+          <p:cNvPr id="5" name="Title 4"/>
+          <p:cNvSpPr>
+            <a:spLocks noGrp="1"/>
+          </p:cNvSpPr>
+          <p:nvPr>
+            <p:ph type="title"/>
+          </p:nvPr>
+        </p:nvSpPr>
+        <p:spPr/>
+        <p:txBody>
+          <a:bodyPr/>
+          <a:lstStyle/>
+          <a:p>
+            <a:r>
+              <a:rPr lang="en-US" dirty="0" smtClean="0"/>
+              <a:t>Comparison of Approaches</a:t>
+            </a:r>
+            <a:endParaRPr lang="en-US" dirty="0"/>
+          </a:p>
+        </p:txBody>
+      </p:sp>
+      <p:sp>
+        <p:nvSpPr>
+          <p:cNvPr id="6" name="Content Placeholder 5"/>
+          <p:cNvSpPr>
+            <a:spLocks noGrp="1"/>
+          </p:cNvSpPr>
+          <p:nvPr>
+            <p:ph idx="1"/>
+          </p:nvPr>
+        </p:nvSpPr>
+        <p:spPr/>
+        <p:txBody>
+          <a:bodyPr>
+            <a:normAutofit fontScale="85000" lnSpcReduction="20000"/>
+          </a:bodyPr>
+          <a:lstStyle/>
+          <a:p>
+            <a:r>
+              <a:rPr lang="en-US" dirty="0" smtClean="0"/>
+              <a:t>We identified other miRNA not reported by Kim, et al. 2010</a:t>
+            </a:r>
+          </a:p>
+          <a:p>
+            <a:pPr lvl="1"/>
+            <a:r>
+              <a:rPr lang="en-US" dirty="0" smtClean="0"/>
+              <a:t>Our screening approach yielded more putatively </a:t>
+            </a:r>
+            <a:r>
+              <a:rPr lang="en-US" dirty="0" err="1" smtClean="0"/>
+              <a:t>dysregulated</a:t>
+            </a:r>
+            <a:r>
+              <a:rPr lang="en-US" dirty="0" smtClean="0"/>
+              <a:t> </a:t>
+            </a:r>
+            <a:r>
+              <a:rPr lang="en-US" dirty="0" err="1" smtClean="0"/>
+              <a:t>miRNAs</a:t>
+            </a:r>
+            <a:endParaRPr lang="en-US" dirty="0" smtClean="0"/>
+          </a:p>
+          <a:p>
+            <a:pPr lvl="1"/>
+            <a:r>
+              <a:rPr lang="en-US" dirty="0" smtClean="0"/>
+              <a:t>Cherry picking can be useful</a:t>
+            </a:r>
+          </a:p>
+          <a:p>
+            <a:endParaRPr lang="en-US" dirty="0" smtClean="0"/>
+          </a:p>
+          <a:p>
+            <a:r>
+              <a:rPr lang="en-US" dirty="0" smtClean="0"/>
+              <a:t>Typically need to follow rigorous statistical protocols for initial screen</a:t>
+            </a:r>
+          </a:p>
+          <a:p>
+            <a:endParaRPr lang="en-US" dirty="0" smtClean="0"/>
+          </a:p>
+          <a:p>
+            <a:r>
+              <a:rPr lang="en-US" dirty="0" smtClean="0"/>
+              <a:t>After initial screen multiple paths to publication</a:t>
+            </a:r>
+          </a:p>
+          <a:p>
+            <a:pPr lvl="1"/>
+            <a:r>
+              <a:rPr lang="en-US" dirty="0" smtClean="0"/>
+              <a:t>Up to expertise of researcher</a:t>
+            </a:r>
+          </a:p>
+          <a:p>
+            <a:endParaRPr lang="en-US" dirty="0" smtClean="0"/>
+          </a:p>
+          <a:p>
+            <a:endParaRPr lang="en-US" dirty="0" smtClean="0"/>
+          </a:p>
+        </p:txBody>
+      </p:sp>
+    </p:spTree>
+  </p:cSld>
+  <p:clrMapOvr>
+    <a:masterClrMapping/>
+  </p:clrMapOvr>
+</p:sld>
+</file>
+
+<file path=ppt/slides/slide7.xml><?xml version="1.0" encoding="utf-8"?>
+<p:sld xmlns:a="http://schemas.openxmlformats.org/drawingml/2006/main" xmlns:r="http://schemas.openxmlformats.org/officeDocument/2006/relationships" xmlns:p="http://schemas.openxmlformats.org/presentationml/2006/main">
+  <p:cSld>
+    <p:spTree>
+      <p:nvGrpSpPr>
+        <p:cNvPr id="1" name=""/>
+        <p:cNvGrpSpPr/>
+        <p:nvPr/>
+      </p:nvGrpSpPr>
+      <p:grpSpPr>
+        <a:xfrm>
+          <a:off x="0" y="0"/>
+          <a:ext cx="0" cy="0"/>
+          <a:chOff x="0" y="0"/>
+          <a:chExt cx="0" cy="0"/>
+        </a:xfrm>
+      </p:grpSpPr>
+      <p:sp>
+        <p:nvSpPr>
+          <p:cNvPr id="2" name="Title 1"/>
+          <p:cNvSpPr>
+            <a:spLocks noGrp="1"/>
+          </p:cNvSpPr>
+          <p:nvPr>
+            <p:ph type="title"/>
+          </p:nvPr>
+        </p:nvSpPr>
+        <p:spPr/>
+        <p:txBody>
+          <a:bodyPr/>
+          <a:lstStyle/>
+          <a:p>
+            <a:r>
+              <a:rPr lang="en-US" dirty="0" smtClean="0"/>
+              <a:t>How could we make it better?</a:t>
+            </a:r>
+            <a:endParaRPr lang="en-US" dirty="0"/>
+          </a:p>
+        </p:txBody>
+      </p:sp>
+      <p:sp>
+        <p:nvSpPr>
+          <p:cNvPr id="3" name="Content Placeholder 2"/>
+          <p:cNvSpPr>
+            <a:spLocks noGrp="1"/>
+          </p:cNvSpPr>
+          <p:nvPr>
+            <p:ph idx="1"/>
+          </p:nvPr>
+        </p:nvSpPr>
+        <p:spPr/>
+        <p:txBody>
+          <a:bodyPr/>
+          <a:lstStyle/>
+          <a:p>
+            <a:r>
+              <a:rPr lang="en-US" dirty="0" smtClean="0"/>
+              <a:t>User linear regression and add covariates:</a:t>
+            </a:r>
+          </a:p>
+          <a:p>
+            <a:pPr lvl="1"/>
+            <a:r>
+              <a:rPr lang="en-US" dirty="0" smtClean="0"/>
+              <a:t>Sex</a:t>
+            </a:r>
+          </a:p>
+          <a:p>
+            <a:pPr lvl="1"/>
+            <a:r>
+              <a:rPr lang="en-US" dirty="0" smtClean="0"/>
+              <a:t>Age</a:t>
+            </a:r>
+          </a:p>
+          <a:p>
+            <a:pPr lvl="1"/>
+            <a:r>
+              <a:rPr lang="en-US" dirty="0" smtClean="0"/>
+              <a:t>...</a:t>
+            </a:r>
+            <a:endParaRPr lang="en-US" dirty="0" smtClean="0"/>
+          </a:p>
+          <a:p>
+            <a:endParaRPr lang="en-US" dirty="0" smtClean="0"/>
+          </a:p>
+          <a:p>
+            <a:r>
+              <a:rPr lang="en-US" dirty="0" smtClean="0"/>
+              <a:t>Others?</a:t>
+            </a:r>
+          </a:p>
+        </p:txBody>
+      </p:sp>
+    </p:spTree>
+  </p:cSld>
+  <p:clrMapOvr>
+    <a:masterClrMapping/>
+  </p:clrMapOvr>
+</p:sld>
+</file>
+
+<file path=ppt/slides/slide8.xml><?xml version="1.0" encoding="utf-8"?>
+<p:sld xmlns:a="http://schemas.openxmlformats.org/drawingml/2006/main" xmlns:r="http://schemas.openxmlformats.org/officeDocument/2006/relationships" xmlns:p="http://schemas.openxmlformats.org/presentationml/2006/main">
+  <p:cSld>
+    <p:spTree>
+      <p:nvGrpSpPr>
+        <p:cNvPr id="1" name=""/>
+        <p:cNvGrpSpPr/>
+        <p:nvPr/>
+      </p:nvGrpSpPr>
+      <p:grpSpPr>
+        <a:xfrm>
+          <a:off x="0" y="0"/>
+          <a:ext cx="0" cy="0"/>
+          <a:chOff x="0" y="0"/>
+          <a:chExt cx="0" cy="0"/>
+        </a:xfrm>
+      </p:grpSpPr>
+      <p:sp>
+        <p:nvSpPr>
+          <p:cNvPr id="5" name="Title 4"/>
+          <p:cNvSpPr>
+            <a:spLocks noGrp="1"/>
+          </p:cNvSpPr>
+          <p:nvPr>
+            <p:ph type="title"/>
+          </p:nvPr>
+        </p:nvSpPr>
+        <p:spPr/>
+        <p:txBody>
+          <a:bodyPr>
+            <a:normAutofit fontScale="90000"/>
+          </a:bodyPr>
+          <a:lstStyle/>
+          <a:p>
+            <a:r>
+              <a:rPr lang="en-US" dirty="0" smtClean="0"/>
+              <a:t>Gene Affected by miRNA Perturbation</a:t>
+            </a:r>
+            <a:endParaRPr lang="en-US" dirty="0"/>
+          </a:p>
+        </p:txBody>
+      </p:sp>
+      <p:sp>
+        <p:nvSpPr>
+          <p:cNvPr id="6" name="Content Placeholder 5"/>
+          <p:cNvSpPr>
+            <a:spLocks noGrp="1"/>
+          </p:cNvSpPr>
+          <p:nvPr>
+            <p:ph idx="1"/>
+          </p:nvPr>
+        </p:nvSpPr>
+        <p:spPr/>
+        <p:txBody>
+          <a:bodyPr/>
+          <a:lstStyle/>
+          <a:p>
+            <a:r>
+              <a:rPr lang="en-US" dirty="0" smtClean="0"/>
+              <a:t>Applied biologically motivated filtering of putative genes targeted by miRNA to those predicted by PITA</a:t>
+            </a:r>
+          </a:p>
+          <a:p>
+            <a:pPr lvl="1"/>
+            <a:r>
+              <a:rPr lang="en-US" dirty="0" err="1" smtClean="0"/>
+              <a:t>Complementarity</a:t>
+            </a:r>
+            <a:r>
+              <a:rPr lang="en-US" dirty="0" smtClean="0"/>
+              <a:t> of miRNA to 3’ UTR</a:t>
+            </a:r>
+          </a:p>
+          <a:p>
+            <a:pPr lvl="1"/>
+            <a:r>
+              <a:rPr lang="en-US" dirty="0" smtClean="0"/>
+              <a:t>…</a:t>
+            </a:r>
+          </a:p>
+          <a:p>
+            <a:endParaRPr lang="en-US" dirty="0" smtClean="0"/>
+          </a:p>
+          <a:p>
+            <a:r>
+              <a:rPr lang="en-US" dirty="0" smtClean="0"/>
+              <a:t>Tested for correlation between miRNA to putative target genes </a:t>
+            </a:r>
+            <a:endParaRPr lang="en-US" dirty="0"/>
+          </a:p>
+        </p:txBody>
+      </p:sp>
+    </p:spTree>
+    <p:extLst>
+      <p:ext uri="{BB962C8B-B14F-4D97-AF65-F5344CB8AC3E}">
+        <p14:creationId xmlns:p14="http://schemas.microsoft.com/office/powerpoint/2010/main" xmlns="" val="774066793"/>
+      </p:ext>
+    </p:extLst>
+  </p:cSld>
+  <p:clrMapOvr>
+    <a:masterClrMapping/>
+  </p:clrMapOvr>
+  <p:timing>
+    <p:tnLst>
+      <p:par>
+        <p:cTn id="1" dur="indefinite" restart="never" nodeType="tmRoot"/>
+      </p:par>
+    </p:tnLst>
+  </p:timing>
+</p:sld>
+</file>
+
+<file path=ppt/slides/slide9.xml><?xml version="1.0" encoding="utf-8"?>
+<p:sld xmlns:a="http://schemas.openxmlformats.org/drawingml/2006/main" xmlns:r="http://schemas.openxmlformats.org/officeDocument/2006/relationships" xmlns:p="http://schemas.openxmlformats.org/presentationml/2006/main">
+  <p:cSld>
+    <p:spTree>
+      <p:nvGrpSpPr>
+        <p:cNvPr id="1" name=""/>
+        <p:cNvGrpSpPr/>
+        <p:nvPr/>
+      </p:nvGrpSpPr>
+      <p:grpSpPr>
+        <a:xfrm>
+          <a:off x="0" y="0"/>
+          <a:ext cx="0" cy="0"/>
+          <a:chOff x="0" y="0"/>
+          <a:chExt cx="0" cy="0"/>
+        </a:xfrm>
+      </p:grpSpPr>
+      <p:sp>
+        <p:nvSpPr>
+          <p:cNvPr id="2" name="Title 1"/>
+          <p:cNvSpPr>
+            <a:spLocks noGrp="1"/>
+          </p:cNvSpPr>
+          <p:nvPr>
+            <p:ph type="title"/>
+          </p:nvPr>
+        </p:nvSpPr>
+        <p:spPr/>
+        <p:txBody>
+          <a:bodyPr>
+            <a:normAutofit fontScale="90000"/>
+          </a:bodyPr>
+          <a:lstStyle/>
+          <a:p>
+            <a:r>
+              <a:rPr lang="en-US" dirty="0" smtClean="0"/>
+              <a:t>Correlation of miRNA Expression with Putative Target Genes</a:t>
+            </a:r>
+            <a:endParaRPr lang="en-US" dirty="0"/>
+          </a:p>
+        </p:txBody>
+      </p:sp>
+      <p:pic>
+        <p:nvPicPr>
+          <p:cNvPr id="4098" name="Picture 2" descr="http://www.pnas.org/content/107/5/2183/F1.large.jpg"/>
+          <p:cNvPicPr>
+            <a:picLocks noGrp="1" noChangeAspect="1" noChangeArrowheads="1"/>
+          </p:cNvPicPr>
+          <p:nvPr>
+            <p:ph sz="half" idx="1"/>
+          </p:nvPr>
+        </p:nvPicPr>
+        <p:blipFill rotWithShape="1">
+          <a:blip r:embed="rId3" cstate="print">
+            <a:extLst>
+              <a:ext uri="{28A0092B-C50C-407E-A947-70E740481C1C}">
+                <a14:useLocalDpi xmlns:a14="http://schemas.microsoft.com/office/drawing/2010/main" xmlns="" val="0"/>
+              </a:ext>
+            </a:extLst>
+          </a:blip>
+          <a:srcRect l="62375"/>
+          <a:stretch/>
+        </p:blipFill>
+        <p:spPr bwMode="auto">
+          <a:xfrm>
+            <a:off x="990600" y="1701360"/>
+            <a:ext cx="2971800" cy="4430564"/>
+          </a:xfrm>
+          <a:prstGeom prst="rect">
+            <a:avLst/>
+          </a:prstGeom>
+          <a:noFill/>
+          <a:extLst>
+            <a:ext uri="{909E8E84-426E-40DD-AFC4-6F175D3DCCD1}">
+              <a14:hiddenFill xmlns:a14="http://schemas.microsoft.com/office/drawing/2010/main" xmlns="">
+                <a:solidFill>
+                  <a:srgbClr val="FFFFFF"/>
+                </a:solidFill>
+              </a14:hiddenFill>
+            </a:ext>
+          </a:extLst>
+        </p:spPr>
+      </p:pic>
+      <p:pic>
+        <p:nvPicPr>
+          <p:cNvPr id="6" name="Picture 2"/>
+          <p:cNvPicPr>
+            <a:picLocks noGrp="1" noChangeAspect="1" noChangeArrowheads="1"/>
+          </p:cNvPicPr>
+          <p:nvPr>
+            <p:ph sz="half" idx="2"/>
+          </p:nvPr>
+        </p:nvPicPr>
+        <p:blipFill>
+          <a:blip r:embed="rId4" cstate="print">
+            <a:extLst>
+              <a:ext uri="{28A0092B-C50C-407E-A947-70E740481C1C}">
+                <a14:useLocalDpi xmlns:a14="http://schemas.microsoft.com/office/drawing/2010/main" xmlns="" val="0"/>
+              </a:ext>
+            </a:extLst>
+          </a:blip>
+          <a:srcRect/>
+          <a:stretch>
+            <a:fillRect/>
+          </a:stretch>
+        </p:blipFill>
+        <p:spPr bwMode="auto">
+          <a:xfrm>
+            <a:off x="4648200" y="1843881"/>
+            <a:ext cx="4038600" cy="4038600"/>
+          </a:xfrm>
+          <a:prstGeom prst="rect">
+            <a:avLst/>
+          </a:prstGeom>
+          <a:noFill/>
+          <a:ln>
+            <a:noFill/>
+          </a:ln>
+          <a:effectLst/>
+          <a:extLst>
+            <a:ext uri="{909E8E84-426E-40DD-AFC4-6F175D3DCCD1}">
+              <a14:hiddenFill xmlns:a14="http://schemas.microsoft.com/office/drawing/2010/main" xmlns="">
+                <a:solidFill>
+                  <a:schemeClr val="accent1"/>
+                </a:solidFill>
+              </a14:hiddenFill>
+            </a:ext>
+            <a:ext uri="{91240B29-F687-4F45-9708-019B960494DF}">
+              <a14:hiddenLine xmlns:a14="http://schemas.microsoft.com/office/drawing/2010/main" xmlns="" w="9525">
+                <a:solidFill>
+                  <a:schemeClr val="tx1"/>
+                </a:solidFill>
+                <a:miter lim="800000"/>
+                <a:headEnd/>
+                <a:tailEnd/>
+              </a14:hiddenLine>
+            </a:ext>
+            <a:ext uri="{AF507438-7753-43E0-B8FC-AC1667EBCBE1}">
+              <a14:hiddenEffects xmlns:a14="http://schemas.microsoft.com/office/drawing/2010/main" xmlns="">
+                <a:effectLst>
+                  <a:outerShdw dist="35921" dir="2700000" algn="ctr" rotWithShape="0">
+                    <a:schemeClr val="bg2"/>
+                  </a:outerShdw>
+                </a:effectLst>
+              </a14:hiddenEffects>
+            </a:ext>
+          </a:extLst>
+        </p:spPr>
+      </p:pic>
+    </p:spTree>
+    <p:extLst>
+      <p:ext uri="{BB962C8B-B14F-4D97-AF65-F5344CB8AC3E}">
+        <p14:creationId xmlns:p14="http://schemas.microsoft.com/office/powerpoint/2010/main" xmlns="" val="221995453"/>
+      </p:ext>
+    </p:extLst>
+  </p:cSld>
+  <p:clrMapOvr>
+    <a:masterClrMapping/>
+  </p:clrMapOvr>
+  <p:timing>
+    <p:tnLst>
+      <p:par>
+        <p:cTn id="1" dur="indefinite" restart="never" nodeType="tmRoot"/>
+      </p:par>
+    </p:tnLst>
+  </p:timing>
 </p:sld>
 </file>
 
